--- a/Doc/FinalPresentation/FinalPresentation.pptx
+++ b/Doc/FinalPresentation/FinalPresentation.pptx
@@ -110,7 +110,24 @@
       </a:defRPr>
     </a:lvl9pPr>
   </p:defaultTextStyle>
+  <p:extLst>
+    <p:ext uri="{EFAFB233-063F-42B5-8137-9DF3F51BA10A}">
+      <p15:sldGuideLst xmlns:p15="http://schemas.microsoft.com/office/powerpoint/2012/main"/>
+    </p:ext>
+  </p:extLst>
 </p:presentation>
+</file>
+
+<file path=ppt/commentAuthors.xml><?xml version="1.0" encoding="utf-8"?>
+<p:cmAuthorLst xmlns:a="http://schemas.openxmlformats.org/drawingml/2006/main" xmlns:r="http://schemas.openxmlformats.org/officeDocument/2006/relationships" xmlns:p="http://schemas.openxmlformats.org/presentationml/2006/main">
+  <p:cmAuthor id="1" name="Zack Ren" initials="ZR" lastIdx="1" clrIdx="0">
+    <p:extLst>
+      <p:ext uri="{19B8F6BF-5375-455C-9EA6-DF929625EA0E}">
+        <p15:presenceInfo xmlns:p15="http://schemas.microsoft.com/office/powerpoint/2012/main" userId="4023faba3ca18fb5" providerId="Windows Live"/>
+      </p:ext>
+    </p:extLst>
+  </p:cmAuthor>
+</p:cmAuthorLst>
 </file>
 
 <file path=ppt/slideLayouts/slideLayout1.xml><?xml version="1.0" encoding="utf-8"?>
@@ -262,7 +279,7 @@
           <a:p>
             <a:fld id="{318FCCB6-3301-4A49-BE67-DD821C730218}" type="datetimeFigureOut">
               <a:rPr lang="en-CA" smtClean="0"/>
-              <a:t>2021-04-06</a:t>
+              <a:t>06/04/2021</a:t>
             </a:fld>
             <a:endParaRPr lang="en-CA"/>
           </a:p>
@@ -462,7 +479,7 @@
           <a:p>
             <a:fld id="{318FCCB6-3301-4A49-BE67-DD821C730218}" type="datetimeFigureOut">
               <a:rPr lang="en-CA" smtClean="0"/>
-              <a:t>2021-04-06</a:t>
+              <a:t>06/04/2021</a:t>
             </a:fld>
             <a:endParaRPr lang="en-CA"/>
           </a:p>
@@ -672,7 +689,7 @@
           <a:p>
             <a:fld id="{318FCCB6-3301-4A49-BE67-DD821C730218}" type="datetimeFigureOut">
               <a:rPr lang="en-CA" smtClean="0"/>
-              <a:t>2021-04-06</a:t>
+              <a:t>06/04/2021</a:t>
             </a:fld>
             <a:endParaRPr lang="en-CA"/>
           </a:p>
@@ -872,7 +889,7 @@
           <a:p>
             <a:fld id="{318FCCB6-3301-4A49-BE67-DD821C730218}" type="datetimeFigureOut">
               <a:rPr lang="en-CA" smtClean="0"/>
-              <a:t>2021-04-06</a:t>
+              <a:t>06/04/2021</a:t>
             </a:fld>
             <a:endParaRPr lang="en-CA"/>
           </a:p>
@@ -1148,7 +1165,7 @@
           <a:p>
             <a:fld id="{318FCCB6-3301-4A49-BE67-DD821C730218}" type="datetimeFigureOut">
               <a:rPr lang="en-CA" smtClean="0"/>
-              <a:t>2021-04-06</a:t>
+              <a:t>06/04/2021</a:t>
             </a:fld>
             <a:endParaRPr lang="en-CA"/>
           </a:p>
@@ -1416,7 +1433,7 @@
           <a:p>
             <a:fld id="{318FCCB6-3301-4A49-BE67-DD821C730218}" type="datetimeFigureOut">
               <a:rPr lang="en-CA" smtClean="0"/>
-              <a:t>2021-04-06</a:t>
+              <a:t>06/04/2021</a:t>
             </a:fld>
             <a:endParaRPr lang="en-CA"/>
           </a:p>
@@ -1831,7 +1848,7 @@
           <a:p>
             <a:fld id="{318FCCB6-3301-4A49-BE67-DD821C730218}" type="datetimeFigureOut">
               <a:rPr lang="en-CA" smtClean="0"/>
-              <a:t>2021-04-06</a:t>
+              <a:t>06/04/2021</a:t>
             </a:fld>
             <a:endParaRPr lang="en-CA"/>
           </a:p>
@@ -1973,7 +1990,7 @@
           <a:p>
             <a:fld id="{318FCCB6-3301-4A49-BE67-DD821C730218}" type="datetimeFigureOut">
               <a:rPr lang="en-CA" smtClean="0"/>
-              <a:t>2021-04-06</a:t>
+              <a:t>06/04/2021</a:t>
             </a:fld>
             <a:endParaRPr lang="en-CA"/>
           </a:p>
@@ -2086,7 +2103,7 @@
           <a:p>
             <a:fld id="{318FCCB6-3301-4A49-BE67-DD821C730218}" type="datetimeFigureOut">
               <a:rPr lang="en-CA" smtClean="0"/>
-              <a:t>2021-04-06</a:t>
+              <a:t>06/04/2021</a:t>
             </a:fld>
             <a:endParaRPr lang="en-CA"/>
           </a:p>
@@ -2399,7 +2416,7 @@
           <a:p>
             <a:fld id="{318FCCB6-3301-4A49-BE67-DD821C730218}" type="datetimeFigureOut">
               <a:rPr lang="en-CA" smtClean="0"/>
-              <a:t>2021-04-06</a:t>
+              <a:t>06/04/2021</a:t>
             </a:fld>
             <a:endParaRPr lang="en-CA"/>
           </a:p>
@@ -2688,7 +2705,7 @@
           <a:p>
             <a:fld id="{318FCCB6-3301-4A49-BE67-DD821C730218}" type="datetimeFigureOut">
               <a:rPr lang="en-CA" smtClean="0"/>
-              <a:t>2021-04-06</a:t>
+              <a:t>06/04/2021</a:t>
             </a:fld>
             <a:endParaRPr lang="en-CA"/>
           </a:p>
@@ -2931,7 +2948,7 @@
           <a:p>
             <a:fld id="{318FCCB6-3301-4A49-BE67-DD821C730218}" type="datetimeFigureOut">
               <a:rPr lang="en-CA" smtClean="0"/>
-              <a:t>2021-04-06</a:t>
+              <a:t>06/04/2021</a:t>
             </a:fld>
             <a:endParaRPr lang="en-CA"/>
           </a:p>
@@ -3350,55 +3367,303 @@
       </p:grpSpPr>
       <p:sp>
         <p:nvSpPr>
-          <p:cNvPr id="2" name="Title 1">
-            <a:extLst>
-              <a:ext uri="{FF2B5EF4-FFF2-40B4-BE49-F238E27FC236}">
-                <a16:creationId xmlns:a16="http://schemas.microsoft.com/office/drawing/2014/main" id="{D2B677EF-D82C-4958-BC85-A3E3C7420EBE}"/>
-              </a:ext>
-            </a:extLst>
-          </p:cNvPr>
-          <p:cNvSpPr>
-            <a:spLocks noGrp="1"/>
-          </p:cNvSpPr>
-          <p:nvPr>
-            <p:ph type="ctrTitle"/>
+          <p:cNvPr id="3" name="Subtitle 2">
+            <a:extLst>
+              <a:ext uri="{FF2B5EF4-FFF2-40B4-BE49-F238E27FC236}">
+                <a16:creationId xmlns:a16="http://schemas.microsoft.com/office/drawing/2014/main" id="{60C86A3D-2606-443C-A849-2C1A85687A6F}"/>
+              </a:ext>
+            </a:extLst>
+          </p:cNvPr>
+          <p:cNvSpPr>
+            <a:spLocks noGrp="1"/>
+          </p:cNvSpPr>
+          <p:nvPr>
+            <p:ph type="subTitle" idx="1"/>
           </p:nvPr>
         </p:nvSpPr>
         <p:spPr/>
         <p:txBody>
-          <a:bodyPr/>
-          <a:lstStyle/>
-          <a:p>
-            <a:r>
-              <a:rPr lang="en-CA" dirty="0" err="1"/>
-              <a:t>Euneva</a:t>
-            </a:r>
+          <a:bodyPr>
+            <a:normAutofit lnSpcReduction="10000"/>
+          </a:bodyPr>
+          <a:lstStyle/>
+          <a:p>
+            <a:r>
+              <a:rPr lang="en-CA" dirty="0">
+                <a:latin typeface="Lato" panose="020F0502020204030203" pitchFamily="34" charset="0"/>
+                <a:ea typeface="Lato" panose="020F0502020204030203" pitchFamily="34" charset="0"/>
+                <a:cs typeface="Lato" panose="020F0502020204030203" pitchFamily="34" charset="0"/>
+              </a:rPr>
+              <a:t>Team 9</a:t>
+            </a:r>
+          </a:p>
+          <a:p>
+            <a:r>
+              <a:rPr lang="en-CA" dirty="0" err="1">
+                <a:latin typeface="Lato" panose="020F0502020204030203" pitchFamily="34" charset="0"/>
+                <a:ea typeface="Lato" panose="020F0502020204030203" pitchFamily="34" charset="0"/>
+                <a:cs typeface="Lato" panose="020F0502020204030203" pitchFamily="34" charset="0"/>
+              </a:rPr>
+              <a:t>Jash</a:t>
+            </a:r>
+            <a:r>
+              <a:rPr lang="en-CA" dirty="0">
+                <a:latin typeface="Lato" panose="020F0502020204030203" pitchFamily="34" charset="0"/>
+                <a:ea typeface="Lato" panose="020F0502020204030203" pitchFamily="34" charset="0"/>
+                <a:cs typeface="Lato" panose="020F0502020204030203" pitchFamily="34" charset="0"/>
+              </a:rPr>
+              <a:t> Mehta</a:t>
+            </a:r>
+          </a:p>
+          <a:p>
+            <a:r>
+              <a:rPr lang="en-CA" dirty="0">
+                <a:latin typeface="Lato" panose="020F0502020204030203" pitchFamily="34" charset="0"/>
+                <a:ea typeface="Lato" panose="020F0502020204030203" pitchFamily="34" charset="0"/>
+                <a:cs typeface="Lato" panose="020F0502020204030203" pitchFamily="34" charset="0"/>
+              </a:rPr>
+              <a:t>Aditya Sharma</a:t>
+            </a:r>
+          </a:p>
+          <a:p>
+            <a:r>
+              <a:rPr lang="en-CA" dirty="0">
+                <a:latin typeface="Lato" panose="020F0502020204030203" pitchFamily="34" charset="0"/>
+                <a:ea typeface="Lato" panose="020F0502020204030203" pitchFamily="34" charset="0"/>
+                <a:cs typeface="Lato" panose="020F0502020204030203" pitchFamily="34" charset="0"/>
+              </a:rPr>
+              <a:t>Zackary Ren</a:t>
+            </a:r>
+          </a:p>
+        </p:txBody>
+      </p:sp>
+      <p:sp>
+        <p:nvSpPr>
+          <p:cNvPr id="5" name="TextBox 4">
+            <a:extLst>
+              <a:ext uri="{FF2B5EF4-FFF2-40B4-BE49-F238E27FC236}">
+                <a16:creationId xmlns:a16="http://schemas.microsoft.com/office/drawing/2014/main" id="{DBB9750A-8922-4F6B-8793-C006A22B18DC}"/>
+              </a:ext>
+            </a:extLst>
+          </p:cNvPr>
+          <p:cNvSpPr txBox="1"/>
+          <p:nvPr/>
+        </p:nvSpPr>
+        <p:spPr>
+          <a:xfrm>
+            <a:off x="3048000" y="2125228"/>
+            <a:ext cx="6096000" cy="1754326"/>
+          </a:xfrm>
+          <a:prstGeom prst="rect">
+            <a:avLst/>
+          </a:prstGeom>
+          <a:noFill/>
+        </p:spPr>
+        <p:txBody>
+          <a:bodyPr wrap="square">
+            <a:spAutoFit/>
+          </a:bodyPr>
+          <a:lstStyle/>
+          <a:p>
+            <a:pPr algn="ctr" rtl="0">
+              <a:spcBef>
+                <a:spcPts val="0"/>
+              </a:spcBef>
+              <a:spcAft>
+                <a:spcPts val="0"/>
+              </a:spcAft>
+            </a:pPr>
+            <a:r>
+              <a:rPr lang="en-CA" sz="7200" b="1" i="0" u="none" strike="noStrike" dirty="0" err="1">
+                <a:solidFill>
+                  <a:srgbClr val="999999"/>
+                </a:solidFill>
+                <a:effectLst/>
+                <a:latin typeface="Lato" panose="020F0502020204030203" pitchFamily="34" charset="0"/>
+              </a:rPr>
+              <a:t>eunev</a:t>
+            </a:r>
+            <a:r>
+              <a:rPr lang="en-CA" sz="7200" b="1" i="0" u="none" strike="noStrike" dirty="0" err="1">
+                <a:solidFill>
+                  <a:srgbClr val="980404"/>
+                </a:solidFill>
+                <a:effectLst/>
+                <a:latin typeface="Lato" panose="020F0502020204030203" pitchFamily="34" charset="0"/>
+              </a:rPr>
+              <a:t>a</a:t>
+            </a:r>
+            <a:endParaRPr lang="en-CA" sz="7200" b="0" dirty="0">
+              <a:effectLst/>
+            </a:endParaRPr>
+          </a:p>
+          <a:p>
+            <a:br>
+              <a:rPr lang="en-CA" dirty="0"/>
+            </a:br>
             <a:endParaRPr lang="en-CA" dirty="0"/>
           </a:p>
         </p:txBody>
       </p:sp>
       <p:sp>
         <p:nvSpPr>
-          <p:cNvPr id="3" name="Subtitle 2">
-            <a:extLst>
-              <a:ext uri="{FF2B5EF4-FFF2-40B4-BE49-F238E27FC236}">
-                <a16:creationId xmlns:a16="http://schemas.microsoft.com/office/drawing/2014/main" id="{60C86A3D-2606-443C-A849-2C1A85687A6F}"/>
-              </a:ext>
-            </a:extLst>
-          </p:cNvPr>
-          <p:cNvSpPr>
-            <a:spLocks noGrp="1"/>
-          </p:cNvSpPr>
-          <p:nvPr>
-            <p:ph type="subTitle" idx="1"/>
-          </p:nvPr>
-        </p:nvSpPr>
-        <p:spPr/>
-        <p:txBody>
-          <a:bodyPr/>
-          <a:lstStyle/>
-          <a:p>
-            <a:endParaRPr lang="en-CA" dirty="0"/>
+          <p:cNvPr id="8" name="Oval 7">
+            <a:extLst>
+              <a:ext uri="{FF2B5EF4-FFF2-40B4-BE49-F238E27FC236}">
+                <a16:creationId xmlns:a16="http://schemas.microsoft.com/office/drawing/2014/main" id="{B57D13E8-984F-4387-BD5E-A375399EBC17}"/>
+              </a:ext>
+            </a:extLst>
+          </p:cNvPr>
+          <p:cNvSpPr/>
+          <p:nvPr/>
+        </p:nvSpPr>
+        <p:spPr>
+          <a:xfrm>
+            <a:off x="-922217" y="4289242"/>
+            <a:ext cx="2672861" cy="2672861"/>
+          </a:xfrm>
+          <a:prstGeom prst="ellipse">
+            <a:avLst/>
+          </a:prstGeom>
+          <a:solidFill>
+            <a:srgbClr val="980404"/>
+          </a:solidFill>
+          <a:ln>
+            <a:noFill/>
+          </a:ln>
+        </p:spPr>
+        <p:style>
+          <a:lnRef idx="2">
+            <a:schemeClr val="accent1">
+              <a:shade val="50000"/>
+            </a:schemeClr>
+          </a:lnRef>
+          <a:fillRef idx="1">
+            <a:schemeClr val="accent1"/>
+          </a:fillRef>
+          <a:effectRef idx="0">
+            <a:schemeClr val="accent1"/>
+          </a:effectRef>
+          <a:fontRef idx="minor">
+            <a:schemeClr val="lt1"/>
+          </a:fontRef>
+        </p:style>
+        <p:txBody>
+          <a:bodyPr rtlCol="0" anchor="ctr"/>
+          <a:lstStyle/>
+          <a:p>
+            <a:pPr algn="ctr"/>
+            <a:endParaRPr lang="en-CA"/>
+          </a:p>
+        </p:txBody>
+      </p:sp>
+      <p:sp>
+        <p:nvSpPr>
+          <p:cNvPr id="9" name="Oval 8">
+            <a:extLst>
+              <a:ext uri="{FF2B5EF4-FFF2-40B4-BE49-F238E27FC236}">
+                <a16:creationId xmlns:a16="http://schemas.microsoft.com/office/drawing/2014/main" id="{252AD124-EE56-41F5-9A25-8EF83B21BE04}"/>
+              </a:ext>
+            </a:extLst>
+          </p:cNvPr>
+          <p:cNvSpPr/>
+          <p:nvPr/>
+        </p:nvSpPr>
+        <p:spPr>
+          <a:xfrm>
+            <a:off x="0" y="5460702"/>
+            <a:ext cx="2672861" cy="2672861"/>
+          </a:xfrm>
+          <a:prstGeom prst="ellipse">
+            <a:avLst/>
+          </a:prstGeom>
+          <a:solidFill>
+            <a:srgbClr val="999999"/>
+          </a:solidFill>
+          <a:ln>
+            <a:noFill/>
+          </a:ln>
+        </p:spPr>
+        <p:style>
+          <a:lnRef idx="2">
+            <a:schemeClr val="accent1">
+              <a:shade val="50000"/>
+            </a:schemeClr>
+          </a:lnRef>
+          <a:fillRef idx="1">
+            <a:schemeClr val="accent1"/>
+          </a:fillRef>
+          <a:effectRef idx="0">
+            <a:schemeClr val="accent1"/>
+          </a:effectRef>
+          <a:fontRef idx="minor">
+            <a:schemeClr val="lt1"/>
+          </a:fontRef>
+        </p:style>
+        <p:txBody>
+          <a:bodyPr rtlCol="0" anchor="ctr"/>
+          <a:lstStyle/>
+          <a:p>
+            <a:pPr algn="ctr"/>
+            <a:endParaRPr lang="en-CA"/>
+          </a:p>
+        </p:txBody>
+      </p:sp>
+      <p:sp>
+        <p:nvSpPr>
+          <p:cNvPr id="10" name="Circle: Hollow 9">
+            <a:extLst>
+              <a:ext uri="{FF2B5EF4-FFF2-40B4-BE49-F238E27FC236}">
+                <a16:creationId xmlns:a16="http://schemas.microsoft.com/office/drawing/2014/main" id="{56A17B1A-C03F-4338-A66B-01B43415A061}"/>
+              </a:ext>
+            </a:extLst>
+          </p:cNvPr>
+          <p:cNvSpPr/>
+          <p:nvPr/>
+        </p:nvSpPr>
+        <p:spPr>
+          <a:xfrm>
+            <a:off x="10668000" y="-453293"/>
+            <a:ext cx="2672861" cy="2672861"/>
+          </a:xfrm>
+          <a:prstGeom prst="donut">
+            <a:avLst>
+              <a:gd name="adj" fmla="val 8004"/>
+            </a:avLst>
+          </a:prstGeom>
+          <a:solidFill>
+            <a:srgbClr val="980404"/>
+          </a:solidFill>
+          <a:ln>
+            <a:noFill/>
+          </a:ln>
+        </p:spPr>
+        <p:style>
+          <a:lnRef idx="2">
+            <a:schemeClr val="accent1">
+              <a:shade val="50000"/>
+            </a:schemeClr>
+          </a:lnRef>
+          <a:fillRef idx="1">
+            <a:schemeClr val="accent1"/>
+          </a:fillRef>
+          <a:effectRef idx="0">
+            <a:schemeClr val="accent1"/>
+          </a:effectRef>
+          <a:fontRef idx="minor">
+            <a:schemeClr val="lt1"/>
+          </a:fontRef>
+        </p:style>
+        <p:txBody>
+          <a:bodyPr rtlCol="0" anchor="ctr"/>
+          <a:lstStyle/>
+          <a:p>
+            <a:pPr algn="ctr"/>
+            <a:endParaRPr lang="en-CA">
+              <a:solidFill>
+                <a:schemeClr val="tx1"/>
+              </a:solidFill>
+            </a:endParaRPr>
           </a:p>
         </p:txBody>
       </p:sp>
@@ -3479,47 +3744,258 @@
           <a:lstStyle/>
           <a:p>
             <a:r>
-              <a:rPr lang="en-CA" dirty="0"/>
+              <a:rPr lang="en-CA" dirty="0">
+                <a:latin typeface="Lato" panose="020F0502020204030203" pitchFamily="34" charset="0"/>
+                <a:ea typeface="Lato" panose="020F0502020204030203" pitchFamily="34" charset="0"/>
+                <a:cs typeface="Lato" panose="020F0502020204030203" pitchFamily="34" charset="0"/>
+              </a:rPr>
               <a:t>Purpose</a:t>
             </a:r>
           </a:p>
           <a:p>
             <a:pPr lvl="1"/>
             <a:r>
-              <a:rPr lang="en-CA" dirty="0"/>
+              <a:rPr lang="en-CA" dirty="0">
+                <a:latin typeface="Lato" panose="020F0502020204030203" pitchFamily="34" charset="0"/>
+                <a:ea typeface="Lato" panose="020F0502020204030203" pitchFamily="34" charset="0"/>
+                <a:cs typeface="Lato" panose="020F0502020204030203" pitchFamily="34" charset="0"/>
+              </a:rPr>
               <a:t>We improved upon an existing web application for a To-Do list, adding an implementation to web scrape Avenue to Learn (A2L) for quizzes and assignment information for current courses and displaying it in a organized manner.</a:t>
             </a:r>
           </a:p>
           <a:p>
             <a:r>
-              <a:rPr lang="en-CA" dirty="0"/>
+              <a:rPr lang="en-CA" dirty="0">
+                <a:latin typeface="Lato" panose="020F0502020204030203" pitchFamily="34" charset="0"/>
+                <a:ea typeface="Lato" panose="020F0502020204030203" pitchFamily="34" charset="0"/>
+                <a:cs typeface="Lato" panose="020F0502020204030203" pitchFamily="34" charset="0"/>
+              </a:rPr>
               <a:t>Scope</a:t>
             </a:r>
           </a:p>
           <a:p>
             <a:pPr lvl="1"/>
             <a:r>
-              <a:rPr lang="en-CA" dirty="0"/>
+              <a:rPr lang="en-CA" dirty="0">
+                <a:latin typeface="Lato" panose="020F0502020204030203" pitchFamily="34" charset="0"/>
+                <a:ea typeface="Lato" panose="020F0502020204030203" pitchFamily="34" charset="0"/>
+                <a:cs typeface="Lato" panose="020F0502020204030203" pitchFamily="34" charset="0"/>
+              </a:rPr>
               <a:t>The backend web-scraping is done through python.</a:t>
             </a:r>
           </a:p>
           <a:p>
             <a:pPr lvl="1"/>
             <a:r>
-              <a:rPr lang="en-CA" dirty="0"/>
+              <a:rPr lang="en-CA" dirty="0">
+                <a:latin typeface="Lato" panose="020F0502020204030203" pitchFamily="34" charset="0"/>
+                <a:ea typeface="Lato" panose="020F0502020204030203" pitchFamily="34" charset="0"/>
+                <a:cs typeface="Lato" panose="020F0502020204030203" pitchFamily="34" charset="0"/>
+              </a:rPr>
               <a:t>The frontend web application is made with react-native.</a:t>
             </a:r>
           </a:p>
           <a:p>
             <a:pPr lvl="1"/>
-            <a:endParaRPr lang="en-CA" dirty="0"/>
+            <a:endParaRPr lang="en-CA" dirty="0">
+              <a:latin typeface="Lato" panose="020F0502020204030203" pitchFamily="34" charset="0"/>
+              <a:ea typeface="Lato" panose="020F0502020204030203" pitchFamily="34" charset="0"/>
+              <a:cs typeface="Lato" panose="020F0502020204030203" pitchFamily="34" charset="0"/>
+            </a:endParaRPr>
           </a:p>
           <a:p>
             <a:pPr lvl="1"/>
-            <a:endParaRPr lang="en-CA" dirty="0"/>
-          </a:p>
-        </p:txBody>
-      </p:sp>
+            <a:endParaRPr lang="en-CA" dirty="0">
+              <a:latin typeface="Lato" panose="020F0502020204030203" pitchFamily="34" charset="0"/>
+              <a:ea typeface="Lato" panose="020F0502020204030203" pitchFamily="34" charset="0"/>
+              <a:cs typeface="Lato" panose="020F0502020204030203" pitchFamily="34" charset="0"/>
+            </a:endParaRPr>
+          </a:p>
+        </p:txBody>
+      </p:sp>
+      <p:grpSp>
+        <p:nvGrpSpPr>
+          <p:cNvPr id="7" name="Group 6">
+            <a:extLst>
+              <a:ext uri="{FF2B5EF4-FFF2-40B4-BE49-F238E27FC236}">
+                <a16:creationId xmlns:a16="http://schemas.microsoft.com/office/drawing/2014/main" id="{E074E7E8-77B4-4423-98D9-1A32D39473B6}"/>
+              </a:ext>
+            </a:extLst>
+          </p:cNvPr>
+          <p:cNvGrpSpPr/>
+          <p:nvPr/>
+        </p:nvGrpSpPr>
+        <p:grpSpPr>
+          <a:xfrm>
+            <a:off x="8465820" y="4020893"/>
+            <a:ext cx="5775959" cy="4582014"/>
+            <a:chOff x="7299961" y="3758041"/>
+            <a:chExt cx="5775959" cy="4582014"/>
+          </a:xfrm>
+        </p:grpSpPr>
+        <p:sp>
+          <p:nvSpPr>
+            <p:cNvPr id="4" name="Parallelogram 3">
+              <a:extLst>
+                <a:ext uri="{FF2B5EF4-FFF2-40B4-BE49-F238E27FC236}">
+                  <a16:creationId xmlns:a16="http://schemas.microsoft.com/office/drawing/2014/main" id="{716B4A21-9C2F-40A3-A933-0533CAB1FBFA}"/>
+                </a:ext>
+              </a:extLst>
+            </p:cNvPr>
+            <p:cNvSpPr/>
+            <p:nvPr/>
+          </p:nvSpPr>
+          <p:spPr>
+            <a:xfrm rot="171982">
+              <a:off x="8183880" y="4520041"/>
+              <a:ext cx="4892040" cy="3820014"/>
+            </a:xfrm>
+            <a:prstGeom prst="parallelogram">
+              <a:avLst>
+                <a:gd name="adj" fmla="val 111572"/>
+              </a:avLst>
+            </a:prstGeom>
+            <a:solidFill>
+              <a:srgbClr val="980404"/>
+            </a:solidFill>
+            <a:ln>
+              <a:noFill/>
+            </a:ln>
+          </p:spPr>
+          <p:style>
+            <a:lnRef idx="2">
+              <a:schemeClr val="accent1">
+                <a:shade val="50000"/>
+              </a:schemeClr>
+            </a:lnRef>
+            <a:fillRef idx="1">
+              <a:schemeClr val="accent1"/>
+            </a:fillRef>
+            <a:effectRef idx="0">
+              <a:schemeClr val="accent1"/>
+            </a:effectRef>
+            <a:fontRef idx="minor">
+              <a:schemeClr val="lt1"/>
+            </a:fontRef>
+          </p:style>
+          <p:txBody>
+            <a:bodyPr rtlCol="0" anchor="ctr"/>
+            <a:lstStyle/>
+            <a:p>
+              <a:pPr algn="ctr"/>
+              <a:endParaRPr lang="en-CA" dirty="0"/>
+            </a:p>
+          </p:txBody>
+        </p:sp>
+        <p:sp>
+          <p:nvSpPr>
+            <p:cNvPr id="5" name="Parallelogram 4">
+              <a:extLst>
+                <a:ext uri="{FF2B5EF4-FFF2-40B4-BE49-F238E27FC236}">
+                  <a16:creationId xmlns:a16="http://schemas.microsoft.com/office/drawing/2014/main" id="{50137E53-0982-48FE-923E-4B7107BBACA0}"/>
+                </a:ext>
+              </a:extLst>
+            </p:cNvPr>
+            <p:cNvSpPr/>
+            <p:nvPr/>
+          </p:nvSpPr>
+          <p:spPr>
+            <a:xfrm rot="171982">
+              <a:off x="7741921" y="4139040"/>
+              <a:ext cx="4892040" cy="3820014"/>
+            </a:xfrm>
+            <a:prstGeom prst="parallelogram">
+              <a:avLst>
+                <a:gd name="adj" fmla="val 111572"/>
+              </a:avLst>
+            </a:prstGeom>
+            <a:solidFill>
+              <a:srgbClr val="999999"/>
+            </a:solidFill>
+            <a:ln>
+              <a:noFill/>
+            </a:ln>
+          </p:spPr>
+          <p:style>
+            <a:lnRef idx="2">
+              <a:schemeClr val="accent1">
+                <a:shade val="50000"/>
+              </a:schemeClr>
+            </a:lnRef>
+            <a:fillRef idx="1">
+              <a:schemeClr val="accent1"/>
+            </a:fillRef>
+            <a:effectRef idx="0">
+              <a:schemeClr val="accent1"/>
+            </a:effectRef>
+            <a:fontRef idx="minor">
+              <a:schemeClr val="lt1"/>
+            </a:fontRef>
+          </p:style>
+          <p:txBody>
+            <a:bodyPr rtlCol="0" anchor="ctr"/>
+            <a:lstStyle/>
+            <a:p>
+              <a:pPr algn="ctr"/>
+              <a:endParaRPr lang="en-CA" dirty="0"/>
+            </a:p>
+          </p:txBody>
+        </p:sp>
+        <p:sp>
+          <p:nvSpPr>
+            <p:cNvPr id="6" name="Parallelogram 5">
+              <a:extLst>
+                <a:ext uri="{FF2B5EF4-FFF2-40B4-BE49-F238E27FC236}">
+                  <a16:creationId xmlns:a16="http://schemas.microsoft.com/office/drawing/2014/main" id="{88888520-9823-4EBC-9A36-9200EC829FC7}"/>
+                </a:ext>
+              </a:extLst>
+            </p:cNvPr>
+            <p:cNvSpPr/>
+            <p:nvPr/>
+          </p:nvSpPr>
+          <p:spPr>
+            <a:xfrm rot="171982">
+              <a:off x="7299961" y="3758041"/>
+              <a:ext cx="4892040" cy="3820014"/>
+            </a:xfrm>
+            <a:prstGeom prst="parallelogram">
+              <a:avLst>
+                <a:gd name="adj" fmla="val 111572"/>
+              </a:avLst>
+            </a:prstGeom>
+            <a:solidFill>
+              <a:srgbClr val="980404"/>
+            </a:solidFill>
+            <a:ln>
+              <a:noFill/>
+            </a:ln>
+          </p:spPr>
+          <p:style>
+            <a:lnRef idx="2">
+              <a:schemeClr val="accent1">
+                <a:shade val="50000"/>
+              </a:schemeClr>
+            </a:lnRef>
+            <a:fillRef idx="1">
+              <a:schemeClr val="accent1"/>
+            </a:fillRef>
+            <a:effectRef idx="0">
+              <a:schemeClr val="accent1"/>
+            </a:effectRef>
+            <a:fontRef idx="minor">
+              <a:schemeClr val="lt1"/>
+            </a:fontRef>
+          </p:style>
+          <p:txBody>
+            <a:bodyPr rtlCol="0" anchor="ctr"/>
+            <a:lstStyle/>
+            <a:p>
+              <a:pPr algn="ctr"/>
+              <a:endParaRPr lang="en-CA" dirty="0"/>
+            </a:p>
+          </p:txBody>
+        </p:sp>
+      </p:grpSp>
     </p:spTree>
     <p:extLst>
       <p:ext uri="{BB962C8B-B14F-4D97-AF65-F5344CB8AC3E}">
@@ -3572,7 +4048,14 @@
           <a:lstStyle/>
           <a:p>
             <a:r>
-              <a:rPr lang="en-CA" dirty="0"/>
+              <a:rPr lang="en-CA" dirty="0">
+                <a:solidFill>
+                  <a:srgbClr val="980404"/>
+                </a:solidFill>
+                <a:latin typeface="Lora" panose="00000500000000000000" pitchFamily="2" charset="0"/>
+                <a:ea typeface="Lato" panose="020F0502020204030203" pitchFamily="34" charset="0"/>
+                <a:cs typeface="Lato" panose="020F0502020204030203" pitchFamily="34" charset="0"/>
+              </a:rPr>
               <a:t>Background</a:t>
             </a:r>
           </a:p>
@@ -3594,39 +4077,220 @@
             <p:ph idx="1"/>
           </p:nvPr>
         </p:nvSpPr>
-        <p:spPr/>
+        <p:spPr>
+          <a:xfrm>
+            <a:off x="838200" y="1863351"/>
+            <a:ext cx="10515600" cy="4351338"/>
+          </a:xfrm>
+        </p:spPr>
         <p:txBody>
           <a:bodyPr/>
           <a:lstStyle/>
           <a:p>
             <a:r>
-              <a:rPr lang="en-CA" dirty="0"/>
+              <a:rPr lang="en-CA" dirty="0">
+                <a:latin typeface="Lato" panose="020F0502020204030203" pitchFamily="34" charset="0"/>
+                <a:ea typeface="Lato" panose="020F0502020204030203" pitchFamily="34" charset="0"/>
+                <a:cs typeface="Lato" panose="020F0502020204030203" pitchFamily="34" charset="0"/>
+              </a:rPr>
               <a:t>Stakeholders</a:t>
             </a:r>
           </a:p>
           <a:p>
             <a:pPr lvl="1"/>
             <a:r>
-              <a:rPr lang="en-CA" dirty="0"/>
+              <a:rPr lang="en-CA" dirty="0">
+                <a:latin typeface="Lato" panose="020F0502020204030203" pitchFamily="34" charset="0"/>
+                <a:ea typeface="Lato" panose="020F0502020204030203" pitchFamily="34" charset="0"/>
+                <a:cs typeface="Lato" panose="020F0502020204030203" pitchFamily="34" charset="0"/>
+              </a:rPr>
               <a:t>Students</a:t>
             </a:r>
           </a:p>
           <a:p>
             <a:pPr lvl="1"/>
             <a:r>
-              <a:rPr lang="en-CA" dirty="0"/>
+              <a:rPr lang="en-CA" dirty="0">
+                <a:latin typeface="Lato" panose="020F0502020204030203" pitchFamily="34" charset="0"/>
+                <a:ea typeface="Lato" panose="020F0502020204030203" pitchFamily="34" charset="0"/>
+                <a:cs typeface="Lato" panose="020F0502020204030203" pitchFamily="34" charset="0"/>
+              </a:rPr>
               <a:t>Professors</a:t>
             </a:r>
           </a:p>
           <a:p>
             <a:pPr lvl="1"/>
-            <a:endParaRPr lang="en-CA" dirty="0"/>
-          </a:p>
-          <a:p>
-            <a:r>
-              <a:rPr lang="en-CA" dirty="0"/>
+            <a:endParaRPr lang="en-CA" dirty="0">
+              <a:latin typeface="Lato" panose="020F0502020204030203" pitchFamily="34" charset="0"/>
+              <a:ea typeface="Lato" panose="020F0502020204030203" pitchFamily="34" charset="0"/>
+              <a:cs typeface="Lato" panose="020F0502020204030203" pitchFamily="34" charset="0"/>
+            </a:endParaRPr>
+          </a:p>
+          <a:p>
+            <a:r>
+              <a:rPr lang="en-CA" dirty="0">
+                <a:latin typeface="Lato" panose="020F0502020204030203" pitchFamily="34" charset="0"/>
+                <a:ea typeface="Lato" panose="020F0502020204030203" pitchFamily="34" charset="0"/>
+                <a:cs typeface="Lato" panose="020F0502020204030203" pitchFamily="34" charset="0"/>
+              </a:rPr>
               <a:t>Existing Implementation</a:t>
             </a:r>
+          </a:p>
+        </p:txBody>
+      </p:sp>
+      <p:sp>
+        <p:nvSpPr>
+          <p:cNvPr id="4" name="Oval 3">
+            <a:extLst>
+              <a:ext uri="{FF2B5EF4-FFF2-40B4-BE49-F238E27FC236}">
+                <a16:creationId xmlns:a16="http://schemas.microsoft.com/office/drawing/2014/main" id="{1C08CB3E-F715-48A7-8255-24B1E842B719}"/>
+              </a:ext>
+            </a:extLst>
+          </p:cNvPr>
+          <p:cNvSpPr/>
+          <p:nvPr/>
+        </p:nvSpPr>
+        <p:spPr>
+          <a:xfrm>
+            <a:off x="9519139" y="-1336431"/>
+            <a:ext cx="2672861" cy="2672861"/>
+          </a:xfrm>
+          <a:prstGeom prst="ellipse">
+            <a:avLst/>
+          </a:prstGeom>
+          <a:solidFill>
+            <a:srgbClr val="980404"/>
+          </a:solidFill>
+          <a:ln>
+            <a:noFill/>
+          </a:ln>
+        </p:spPr>
+        <p:style>
+          <a:lnRef idx="2">
+            <a:schemeClr val="accent1">
+              <a:shade val="50000"/>
+            </a:schemeClr>
+          </a:lnRef>
+          <a:fillRef idx="1">
+            <a:schemeClr val="accent1"/>
+          </a:fillRef>
+          <a:effectRef idx="0">
+            <a:schemeClr val="accent1"/>
+          </a:effectRef>
+          <a:fontRef idx="minor">
+            <a:schemeClr val="lt1"/>
+          </a:fontRef>
+        </p:style>
+        <p:txBody>
+          <a:bodyPr rtlCol="0" anchor="ctr"/>
+          <a:lstStyle/>
+          <a:p>
+            <a:pPr algn="ctr"/>
+            <a:endParaRPr lang="en-CA"/>
+          </a:p>
+        </p:txBody>
+      </p:sp>
+      <p:sp>
+        <p:nvSpPr>
+          <p:cNvPr id="5" name="Oval 4">
+            <a:extLst>
+              <a:ext uri="{FF2B5EF4-FFF2-40B4-BE49-F238E27FC236}">
+                <a16:creationId xmlns:a16="http://schemas.microsoft.com/office/drawing/2014/main" id="{1633B9E2-BCE4-4BF6-843C-28F8F90ABDA7}"/>
+              </a:ext>
+            </a:extLst>
+          </p:cNvPr>
+          <p:cNvSpPr/>
+          <p:nvPr/>
+        </p:nvSpPr>
+        <p:spPr>
+          <a:xfrm>
+            <a:off x="10855569" y="-593719"/>
+            <a:ext cx="2672861" cy="2672861"/>
+          </a:xfrm>
+          <a:prstGeom prst="ellipse">
+            <a:avLst/>
+          </a:prstGeom>
+          <a:solidFill>
+            <a:srgbClr val="999999"/>
+          </a:solidFill>
+          <a:ln>
+            <a:noFill/>
+          </a:ln>
+        </p:spPr>
+        <p:style>
+          <a:lnRef idx="2">
+            <a:schemeClr val="accent1">
+              <a:shade val="50000"/>
+            </a:schemeClr>
+          </a:lnRef>
+          <a:fillRef idx="1">
+            <a:schemeClr val="accent1"/>
+          </a:fillRef>
+          <a:effectRef idx="0">
+            <a:schemeClr val="accent1"/>
+          </a:effectRef>
+          <a:fontRef idx="minor">
+            <a:schemeClr val="lt1"/>
+          </a:fontRef>
+        </p:style>
+        <p:txBody>
+          <a:bodyPr rtlCol="0" anchor="ctr"/>
+          <a:lstStyle/>
+          <a:p>
+            <a:pPr algn="ctr"/>
+            <a:endParaRPr lang="en-CA"/>
+          </a:p>
+        </p:txBody>
+      </p:sp>
+      <p:sp>
+        <p:nvSpPr>
+          <p:cNvPr id="7" name="Oval 6">
+            <a:extLst>
+              <a:ext uri="{FF2B5EF4-FFF2-40B4-BE49-F238E27FC236}">
+                <a16:creationId xmlns:a16="http://schemas.microsoft.com/office/drawing/2014/main" id="{C3B70E9A-3A68-4060-9F83-5FADE626826D}"/>
+              </a:ext>
+            </a:extLst>
+          </p:cNvPr>
+          <p:cNvSpPr/>
+          <p:nvPr/>
+        </p:nvSpPr>
+        <p:spPr>
+          <a:xfrm>
+            <a:off x="-1164101" y="5704449"/>
+            <a:ext cx="2672861" cy="2672861"/>
+          </a:xfrm>
+          <a:prstGeom prst="ellipse">
+            <a:avLst/>
+          </a:prstGeom>
+          <a:solidFill>
+            <a:srgbClr val="980404"/>
+          </a:solidFill>
+          <a:ln>
+            <a:noFill/>
+          </a:ln>
+        </p:spPr>
+        <p:style>
+          <a:lnRef idx="2">
+            <a:schemeClr val="accent1">
+              <a:shade val="50000"/>
+            </a:schemeClr>
+          </a:lnRef>
+          <a:fillRef idx="1">
+            <a:schemeClr val="accent1"/>
+          </a:fillRef>
+          <a:effectRef idx="0">
+            <a:schemeClr val="accent1"/>
+          </a:effectRef>
+          <a:fontRef idx="minor">
+            <a:schemeClr val="lt1"/>
+          </a:fontRef>
+        </p:style>
+        <p:txBody>
+          <a:bodyPr rtlCol="0" anchor="ctr"/>
+          <a:lstStyle/>
+          <a:p>
+            <a:pPr algn="ctr"/>
+            <a:endParaRPr lang="en-CA"/>
           </a:p>
         </p:txBody>
       </p:sp>
@@ -3682,7 +4346,12 @@
           <a:lstStyle/>
           <a:p>
             <a:r>
-              <a:rPr lang="en-CA" dirty="0"/>
+              <a:rPr lang="en-CA" dirty="0">
+                <a:solidFill>
+                  <a:srgbClr val="980404"/>
+                </a:solidFill>
+                <a:latin typeface="Lora" panose="00000500000000000000" pitchFamily="2" charset="0"/>
+              </a:rPr>
               <a:t>Current Implementation</a:t>
             </a:r>
           </a:p>
@@ -3709,68 +4378,324 @@
           <a:bodyPr/>
           <a:lstStyle/>
           <a:p>
-            <a:r>
-              <a:rPr lang="en-CA" dirty="0"/>
+            <a:pPr>
+              <a:buFont typeface="Wingdings" panose="05000000000000000000" pitchFamily="2" charset="2"/>
+              <a:buChar char="§"/>
+            </a:pPr>
+            <a:r>
+              <a:rPr lang="en-CA" dirty="0">
+                <a:latin typeface="Lato" panose="020F0502020204030203" pitchFamily="34" charset="0"/>
+                <a:ea typeface="Lato" panose="020F0502020204030203" pitchFamily="34" charset="0"/>
+                <a:cs typeface="Lato" panose="020F0502020204030203" pitchFamily="34" charset="0"/>
+              </a:rPr>
               <a:t>Functionality Added</a:t>
             </a:r>
           </a:p>
           <a:p>
-            <a:pPr marL="457200" lvl="1" indent="0">
-              <a:buNone/>
-            </a:pPr>
-            <a:r>
-              <a:rPr lang="en-CA" dirty="0"/>
-              <a:t>-&gt; Login. </a:t>
-            </a:r>
-          </a:p>
-          <a:p>
-            <a:pPr marL="457200" lvl="1" indent="0">
-              <a:buNone/>
-            </a:pPr>
-            <a:r>
-              <a:rPr lang="en-CA" dirty="0"/>
-              <a:t>-&gt; Collect Current Courses.</a:t>
-            </a:r>
-          </a:p>
-          <a:p>
-            <a:pPr marL="457200" lvl="1" indent="0">
-              <a:buNone/>
-            </a:pPr>
-            <a:r>
-              <a:rPr lang="en-CA" dirty="0"/>
-              <a:t>-&gt; Collect Assignment Information. </a:t>
-            </a:r>
-          </a:p>
-          <a:p>
-            <a:pPr marL="457200" lvl="1" indent="0">
-              <a:buNone/>
-            </a:pPr>
-            <a:r>
-              <a:rPr lang="en-CA" dirty="0"/>
-              <a:t>-&gt; Collect Quiz Information.</a:t>
-            </a:r>
-          </a:p>
-          <a:p>
-            <a:pPr marL="457200" lvl="1" indent="0">
-              <a:buNone/>
-            </a:pPr>
-            <a:r>
-              <a:rPr lang="en-CA" dirty="0"/>
-              <a:t>-&gt; Filter Information for upcoming/incomplete tasks.</a:t>
-            </a:r>
-          </a:p>
-          <a:p>
-            <a:pPr marL="457200" lvl="1" indent="0">
-              <a:buNone/>
-            </a:pPr>
-            <a:r>
-              <a:rPr lang="en-CA" dirty="0"/>
-              <a:t>-&gt; Display Information in GUI</a:t>
-            </a:r>
-          </a:p>
-          <a:p>
             <a:pPr lvl="1"/>
-            <a:endParaRPr lang="en-CA" dirty="0"/>
+            <a:r>
+              <a:rPr lang="en-CA" dirty="0">
+                <a:latin typeface="Lato" panose="020F0502020204030203" pitchFamily="34" charset="0"/>
+                <a:ea typeface="Lato" panose="020F0502020204030203" pitchFamily="34" charset="0"/>
+                <a:cs typeface="Lato" panose="020F0502020204030203" pitchFamily="34" charset="0"/>
+              </a:rPr>
+              <a:t>Login. </a:t>
+            </a:r>
+          </a:p>
+          <a:p>
+            <a:pPr lvl="1"/>
+            <a:r>
+              <a:rPr lang="en-CA" dirty="0">
+                <a:latin typeface="Lato" panose="020F0502020204030203" pitchFamily="34" charset="0"/>
+                <a:ea typeface="Lato" panose="020F0502020204030203" pitchFamily="34" charset="0"/>
+                <a:cs typeface="Lato" panose="020F0502020204030203" pitchFamily="34" charset="0"/>
+              </a:rPr>
+              <a:t>Collect Current Courses.</a:t>
+            </a:r>
+          </a:p>
+          <a:p>
+            <a:pPr lvl="1"/>
+            <a:r>
+              <a:rPr lang="en-CA" dirty="0">
+                <a:latin typeface="Lato" panose="020F0502020204030203" pitchFamily="34" charset="0"/>
+                <a:ea typeface="Lato" panose="020F0502020204030203" pitchFamily="34" charset="0"/>
+                <a:cs typeface="Lato" panose="020F0502020204030203" pitchFamily="34" charset="0"/>
+              </a:rPr>
+              <a:t>Collect Assignment Information. </a:t>
+            </a:r>
+          </a:p>
+          <a:p>
+            <a:pPr lvl="1"/>
+            <a:r>
+              <a:rPr lang="en-CA" dirty="0">
+                <a:latin typeface="Lato" panose="020F0502020204030203" pitchFamily="34" charset="0"/>
+                <a:ea typeface="Lato" panose="020F0502020204030203" pitchFamily="34" charset="0"/>
+                <a:cs typeface="Lato" panose="020F0502020204030203" pitchFamily="34" charset="0"/>
+              </a:rPr>
+              <a:t>Collect Quiz Information.</a:t>
+            </a:r>
+          </a:p>
+          <a:p>
+            <a:pPr lvl="1"/>
+            <a:r>
+              <a:rPr lang="en-CA" dirty="0">
+                <a:latin typeface="Lato" panose="020F0502020204030203" pitchFamily="34" charset="0"/>
+                <a:ea typeface="Lato" panose="020F0502020204030203" pitchFamily="34" charset="0"/>
+                <a:cs typeface="Lato" panose="020F0502020204030203" pitchFamily="34" charset="0"/>
+              </a:rPr>
+              <a:t>Filter Information for upcoming/incomplete tasks.</a:t>
+            </a:r>
+          </a:p>
+          <a:p>
+            <a:pPr lvl="1"/>
+            <a:r>
+              <a:rPr lang="en-CA" dirty="0">
+                <a:latin typeface="Lato" panose="020F0502020204030203" pitchFamily="34" charset="0"/>
+                <a:ea typeface="Lato" panose="020F0502020204030203" pitchFamily="34" charset="0"/>
+                <a:cs typeface="Lato" panose="020F0502020204030203" pitchFamily="34" charset="0"/>
+              </a:rPr>
+              <a:t>Display Information in GUI</a:t>
+            </a:r>
+          </a:p>
+          <a:p>
+            <a:pPr lvl="1"/>
+            <a:endParaRPr lang="en-CA" dirty="0">
+              <a:latin typeface="Lato" panose="020F0502020204030203" pitchFamily="34" charset="0"/>
+              <a:ea typeface="Lato" panose="020F0502020204030203" pitchFamily="34" charset="0"/>
+              <a:cs typeface="Lato" panose="020F0502020204030203" pitchFamily="34" charset="0"/>
+            </a:endParaRPr>
+          </a:p>
+        </p:txBody>
+      </p:sp>
+      <p:sp>
+        <p:nvSpPr>
+          <p:cNvPr id="4" name="Circle: Hollow 3">
+            <a:extLst>
+              <a:ext uri="{FF2B5EF4-FFF2-40B4-BE49-F238E27FC236}">
+                <a16:creationId xmlns:a16="http://schemas.microsoft.com/office/drawing/2014/main" id="{ACEFBADB-431C-4EF5-B3A0-97C80821FC31}"/>
+              </a:ext>
+            </a:extLst>
+          </p:cNvPr>
+          <p:cNvSpPr/>
+          <p:nvPr/>
+        </p:nvSpPr>
+        <p:spPr>
+          <a:xfrm>
+            <a:off x="10393680" y="5241777"/>
+            <a:ext cx="2672861" cy="2672861"/>
+          </a:xfrm>
+          <a:prstGeom prst="donut">
+            <a:avLst>
+              <a:gd name="adj" fmla="val 8004"/>
+            </a:avLst>
+          </a:prstGeom>
+          <a:solidFill>
+            <a:srgbClr val="980404"/>
+          </a:solidFill>
+          <a:ln>
+            <a:noFill/>
+          </a:ln>
+        </p:spPr>
+        <p:style>
+          <a:lnRef idx="2">
+            <a:schemeClr val="accent1">
+              <a:shade val="50000"/>
+            </a:schemeClr>
+          </a:lnRef>
+          <a:fillRef idx="1">
+            <a:schemeClr val="accent1"/>
+          </a:fillRef>
+          <a:effectRef idx="0">
+            <a:schemeClr val="accent1"/>
+          </a:effectRef>
+          <a:fontRef idx="minor">
+            <a:schemeClr val="lt1"/>
+          </a:fontRef>
+        </p:style>
+        <p:txBody>
+          <a:bodyPr rtlCol="0" anchor="ctr"/>
+          <a:lstStyle/>
+          <a:p>
+            <a:pPr algn="ctr"/>
+            <a:endParaRPr lang="en-CA">
+              <a:solidFill>
+                <a:schemeClr val="tx1"/>
+              </a:solidFill>
+            </a:endParaRPr>
+          </a:p>
+        </p:txBody>
+      </p:sp>
+      <p:sp>
+        <p:nvSpPr>
+          <p:cNvPr id="5" name="Circle: Hollow 4">
+            <a:extLst>
+              <a:ext uri="{FF2B5EF4-FFF2-40B4-BE49-F238E27FC236}">
+                <a16:creationId xmlns:a16="http://schemas.microsoft.com/office/drawing/2014/main" id="{69B258E1-942D-48FE-8390-16AD6C7F84FC}"/>
+              </a:ext>
+            </a:extLst>
+          </p:cNvPr>
+          <p:cNvSpPr/>
+          <p:nvPr/>
+        </p:nvSpPr>
+        <p:spPr>
+          <a:xfrm>
+            <a:off x="10722123" y="5570220"/>
+            <a:ext cx="2035807" cy="2035807"/>
+          </a:xfrm>
+          <a:prstGeom prst="donut">
+            <a:avLst>
+              <a:gd name="adj" fmla="val 8004"/>
+            </a:avLst>
+          </a:prstGeom>
+          <a:solidFill>
+            <a:srgbClr val="999999"/>
+          </a:solidFill>
+          <a:ln>
+            <a:noFill/>
+          </a:ln>
+        </p:spPr>
+        <p:style>
+          <a:lnRef idx="2">
+            <a:schemeClr val="accent1">
+              <a:shade val="50000"/>
+            </a:schemeClr>
+          </a:lnRef>
+          <a:fillRef idx="1">
+            <a:schemeClr val="accent1"/>
+          </a:fillRef>
+          <a:effectRef idx="0">
+            <a:schemeClr val="accent1"/>
+          </a:effectRef>
+          <a:fontRef idx="minor">
+            <a:schemeClr val="lt1"/>
+          </a:fontRef>
+        </p:style>
+        <p:txBody>
+          <a:bodyPr rtlCol="0" anchor="ctr"/>
+          <a:lstStyle/>
+          <a:p>
+            <a:pPr algn="ctr"/>
+            <a:endParaRPr lang="en-CA">
+              <a:solidFill>
+                <a:schemeClr val="tx1"/>
+              </a:solidFill>
+            </a:endParaRPr>
+          </a:p>
+        </p:txBody>
+      </p:sp>
+      <p:sp>
+        <p:nvSpPr>
+          <p:cNvPr id="8" name="Circle: Hollow 7">
+            <a:extLst>
+              <a:ext uri="{FF2B5EF4-FFF2-40B4-BE49-F238E27FC236}">
+                <a16:creationId xmlns:a16="http://schemas.microsoft.com/office/drawing/2014/main" id="{7A7E2324-0176-4FB2-A9AD-66D7F245F98B}"/>
+              </a:ext>
+            </a:extLst>
+          </p:cNvPr>
+          <p:cNvSpPr/>
+          <p:nvPr/>
+        </p:nvSpPr>
+        <p:spPr>
+          <a:xfrm>
+            <a:off x="10927080" y="3750614"/>
+            <a:ext cx="3021990" cy="3021990"/>
+          </a:xfrm>
+          <a:prstGeom prst="donut">
+            <a:avLst>
+              <a:gd name="adj" fmla="val 8004"/>
+            </a:avLst>
+          </a:prstGeom>
+          <a:solidFill>
+            <a:srgbClr val="980404"/>
+          </a:solidFill>
+          <a:ln>
+            <a:noFill/>
+          </a:ln>
+        </p:spPr>
+        <p:style>
+          <a:lnRef idx="2">
+            <a:schemeClr val="accent1">
+              <a:shade val="50000"/>
+            </a:schemeClr>
+          </a:lnRef>
+          <a:fillRef idx="1">
+            <a:schemeClr val="accent1"/>
+          </a:fillRef>
+          <a:effectRef idx="0">
+            <a:schemeClr val="accent1"/>
+          </a:effectRef>
+          <a:fontRef idx="minor">
+            <a:schemeClr val="lt1"/>
+          </a:fontRef>
+        </p:style>
+        <p:txBody>
+          <a:bodyPr rtlCol="0" anchor="ctr"/>
+          <a:lstStyle/>
+          <a:p>
+            <a:pPr algn="ctr"/>
+            <a:endParaRPr lang="en-CA">
+              <a:solidFill>
+                <a:schemeClr val="tx1"/>
+              </a:solidFill>
+            </a:endParaRPr>
+          </a:p>
+        </p:txBody>
+      </p:sp>
+      <p:sp>
+        <p:nvSpPr>
+          <p:cNvPr id="9" name="Circle: Hollow 8">
+            <a:extLst>
+              <a:ext uri="{FF2B5EF4-FFF2-40B4-BE49-F238E27FC236}">
+                <a16:creationId xmlns:a16="http://schemas.microsoft.com/office/drawing/2014/main" id="{B5C4506B-31C2-454C-B10B-9E4FAA326929}"/>
+              </a:ext>
+            </a:extLst>
+          </p:cNvPr>
+          <p:cNvSpPr/>
+          <p:nvPr/>
+        </p:nvSpPr>
+        <p:spPr>
+          <a:xfrm>
+            <a:off x="11286003" y="4101309"/>
+            <a:ext cx="2301724" cy="2301724"/>
+          </a:xfrm>
+          <a:prstGeom prst="donut">
+            <a:avLst>
+              <a:gd name="adj" fmla="val 8004"/>
+            </a:avLst>
+          </a:prstGeom>
+          <a:solidFill>
+            <a:srgbClr val="999999"/>
+          </a:solidFill>
+          <a:ln>
+            <a:noFill/>
+          </a:ln>
+        </p:spPr>
+        <p:style>
+          <a:lnRef idx="2">
+            <a:schemeClr val="accent1">
+              <a:shade val="50000"/>
+            </a:schemeClr>
+          </a:lnRef>
+          <a:fillRef idx="1">
+            <a:schemeClr val="accent1"/>
+          </a:fillRef>
+          <a:effectRef idx="0">
+            <a:schemeClr val="accent1"/>
+          </a:effectRef>
+          <a:fontRef idx="minor">
+            <a:schemeClr val="lt1"/>
+          </a:fontRef>
+        </p:style>
+        <p:txBody>
+          <a:bodyPr rtlCol="0" anchor="ctr"/>
+          <a:lstStyle/>
+          <a:p>
+            <a:pPr algn="ctr"/>
+            <a:endParaRPr lang="en-CA">
+              <a:solidFill>
+                <a:schemeClr val="tx1"/>
+              </a:solidFill>
+            </a:endParaRPr>
           </a:p>
         </p:txBody>
       </p:sp>
@@ -3826,7 +4751,11 @@
           <a:lstStyle/>
           <a:p>
             <a:r>
-              <a:rPr lang="en-CA" dirty="0"/>
+              <a:rPr lang="en-CA" dirty="0">
+                <a:solidFill>
+                  <a:srgbClr val="980404"/>
+                </a:solidFill>
+              </a:rPr>
               <a:t>Software Qualities and Verification</a:t>
             </a:r>
           </a:p>
@@ -3847,13 +4776,13 @@
           <p:nvPr>
             <p:extLst>
               <p:ext uri="{D42A27DB-BD31-4B8C-83A1-F6EECF244321}">
-                <p14:modId xmlns:p14="http://schemas.microsoft.com/office/powerpoint/2010/main" val="2103343204"/>
+                <p14:modId xmlns:p14="http://schemas.microsoft.com/office/powerpoint/2010/main" val="1190652107"/>
               </p:ext>
             </p:extLst>
           </p:nvPr>
         </p:nvGraphicFramePr>
         <p:xfrm>
-          <a:off x="1031846" y="1778466"/>
+          <a:off x="1733259" y="1690688"/>
           <a:ext cx="8725482" cy="4487811"/>
         </p:xfrm>
         <a:graphic>
@@ -3885,12 +4814,25 @@
                     <a:lstStyle/>
                     <a:p>
                       <a:r>
-                        <a:rPr lang="en-CA" dirty="0"/>
+                        <a:rPr lang="en-CA" dirty="0">
+                          <a:solidFill>
+                            <a:srgbClr val="980404"/>
+                          </a:solidFill>
+                          <a:latin typeface="Lato" panose="020F0502020204030203" pitchFamily="34" charset="0"/>
+                          <a:ea typeface="Lato" panose="020F0502020204030203" pitchFamily="34" charset="0"/>
+                          <a:cs typeface="Lato" panose="020F0502020204030203" pitchFamily="34" charset="0"/>
+                        </a:rPr>
                         <a:t>Quality</a:t>
                       </a:r>
                     </a:p>
                   </a:txBody>
-                  <a:tcPr/>
+                  <a:tcPr>
+                    <a:solidFill>
+                      <a:schemeClr val="bg1">
+                        <a:lumMod val="65000"/>
+                      </a:schemeClr>
+                    </a:solidFill>
+                  </a:tcPr>
                 </a:tc>
                 <a:tc>
                   <a:txBody>
@@ -3898,12 +4840,25 @@
                     <a:lstStyle/>
                     <a:p>
                       <a:r>
-                        <a:rPr lang="en-CA" dirty="0"/>
+                        <a:rPr lang="en-CA" dirty="0">
+                          <a:solidFill>
+                            <a:srgbClr val="980404"/>
+                          </a:solidFill>
+                          <a:latin typeface="Lato" panose="020F0502020204030203" pitchFamily="34" charset="0"/>
+                          <a:ea typeface="Lato" panose="020F0502020204030203" pitchFamily="34" charset="0"/>
+                          <a:cs typeface="Lato" panose="020F0502020204030203" pitchFamily="34" charset="0"/>
+                        </a:rPr>
                         <a:t>Test Rating- Out of 5</a:t>
                       </a:r>
                     </a:p>
                   </a:txBody>
-                  <a:tcPr/>
+                  <a:tcPr>
+                    <a:solidFill>
+                      <a:schemeClr val="bg1">
+                        <a:lumMod val="65000"/>
+                      </a:schemeClr>
+                    </a:solidFill>
+                  </a:tcPr>
                 </a:tc>
                 <a:extLst>
                   <a:ext uri="{0D108BD9-81ED-4DB2-BD59-A6C34878D82A}">
@@ -3918,12 +4873,22 @@
                     <a:lstStyle/>
                     <a:p>
                       <a:r>
-                        <a:rPr lang="en-CA" dirty="0"/>
+                        <a:rPr lang="en-CA" dirty="0">
+                          <a:latin typeface="Lato" panose="020F0502020204030203" pitchFamily="34" charset="0"/>
+                          <a:ea typeface="Lato" panose="020F0502020204030203" pitchFamily="34" charset="0"/>
+                          <a:cs typeface="Lato" panose="020F0502020204030203" pitchFamily="34" charset="0"/>
+                        </a:rPr>
                         <a:t>User-friendliness</a:t>
                       </a:r>
                     </a:p>
                   </a:txBody>
-                  <a:tcPr/>
+                  <a:tcPr>
+                    <a:solidFill>
+                      <a:schemeClr val="bg1">
+                        <a:lumMod val="85000"/>
+                      </a:schemeClr>
+                    </a:solidFill>
+                  </a:tcPr>
                 </a:tc>
                 <a:tc>
                   <a:txBody>
@@ -3931,12 +4896,22 @@
                     <a:lstStyle/>
                     <a:p>
                       <a:r>
-                        <a:rPr lang="en-CA" dirty="0"/>
+                        <a:rPr lang="en-CA" dirty="0">
+                          <a:latin typeface="Lato" panose="020F0502020204030203" pitchFamily="34" charset="0"/>
+                          <a:ea typeface="Lato" panose="020F0502020204030203" pitchFamily="34" charset="0"/>
+                          <a:cs typeface="Lato" panose="020F0502020204030203" pitchFamily="34" charset="0"/>
+                        </a:rPr>
                         <a:t>4 – Even though a user guide is not presented, the application is very easy to navigate through and understand.</a:t>
                       </a:r>
                     </a:p>
                   </a:txBody>
-                  <a:tcPr/>
+                  <a:tcPr>
+                    <a:solidFill>
+                      <a:schemeClr val="bg1">
+                        <a:lumMod val="85000"/>
+                      </a:schemeClr>
+                    </a:solidFill>
+                  </a:tcPr>
                 </a:tc>
                 <a:extLst>
                   <a:ext uri="{0D108BD9-81ED-4DB2-BD59-A6C34878D82A}">
@@ -3951,12 +4926,22 @@
                     <a:lstStyle/>
                     <a:p>
                       <a:r>
-                        <a:rPr lang="en-CA" dirty="0"/>
+                        <a:rPr lang="en-CA" dirty="0">
+                          <a:latin typeface="Lato" panose="020F0502020204030203" pitchFamily="34" charset="0"/>
+                          <a:ea typeface="Lato" panose="020F0502020204030203" pitchFamily="34" charset="0"/>
+                          <a:cs typeface="Lato" panose="020F0502020204030203" pitchFamily="34" charset="0"/>
+                        </a:rPr>
                         <a:t>Portability</a:t>
                       </a:r>
                     </a:p>
                   </a:txBody>
-                  <a:tcPr/>
+                  <a:tcPr>
+                    <a:solidFill>
+                      <a:schemeClr val="bg1">
+                        <a:lumMod val="95000"/>
+                      </a:schemeClr>
+                    </a:solidFill>
+                  </a:tcPr>
                 </a:tc>
                 <a:tc>
                   <a:txBody>
@@ -3964,12 +4949,22 @@
                     <a:lstStyle/>
                     <a:p>
                       <a:r>
-                        <a:rPr lang="en-CA" dirty="0"/>
+                        <a:rPr lang="en-CA" dirty="0">
+                          <a:latin typeface="Lato" panose="020F0502020204030203" pitchFamily="34" charset="0"/>
+                          <a:ea typeface="Lato" panose="020F0502020204030203" pitchFamily="34" charset="0"/>
+                          <a:cs typeface="Lato" panose="020F0502020204030203" pitchFamily="34" charset="0"/>
+                        </a:rPr>
                         <a:t>5 – The usage of React-Native to implement the frontend allows the application to be very portable making it usable on a mobile device.</a:t>
                       </a:r>
                     </a:p>
                   </a:txBody>
-                  <a:tcPr/>
+                  <a:tcPr>
+                    <a:solidFill>
+                      <a:schemeClr val="bg1">
+                        <a:lumMod val="95000"/>
+                      </a:schemeClr>
+                    </a:solidFill>
+                  </a:tcPr>
                 </a:tc>
                 <a:extLst>
                   <a:ext uri="{0D108BD9-81ED-4DB2-BD59-A6C34878D82A}">
@@ -3984,12 +4979,22 @@
                     <a:lstStyle/>
                     <a:p>
                       <a:r>
-                        <a:rPr lang="en-CA" dirty="0"/>
+                        <a:rPr lang="en-CA" dirty="0">
+                          <a:latin typeface="Lato" panose="020F0502020204030203" pitchFamily="34" charset="0"/>
+                          <a:ea typeface="Lato" panose="020F0502020204030203" pitchFamily="34" charset="0"/>
+                          <a:cs typeface="Lato" panose="020F0502020204030203" pitchFamily="34" charset="0"/>
+                        </a:rPr>
                         <a:t>Performance</a:t>
                       </a:r>
                     </a:p>
                   </a:txBody>
-                  <a:tcPr/>
+                  <a:tcPr>
+                    <a:solidFill>
+                      <a:schemeClr val="bg1">
+                        <a:lumMod val="85000"/>
+                      </a:schemeClr>
+                    </a:solidFill>
+                  </a:tcPr>
                 </a:tc>
                 <a:tc>
                   <a:txBody>
@@ -3997,12 +5002,22 @@
                     <a:lstStyle/>
                     <a:p>
                       <a:r>
-                        <a:rPr lang="en-CA" dirty="0"/>
+                        <a:rPr lang="en-CA" dirty="0">
+                          <a:latin typeface="Lato" panose="020F0502020204030203" pitchFamily="34" charset="0"/>
+                          <a:ea typeface="Lato" panose="020F0502020204030203" pitchFamily="34" charset="0"/>
+                          <a:cs typeface="Lato" panose="020F0502020204030203" pitchFamily="34" charset="0"/>
+                        </a:rPr>
                         <a:t>5 – The performance of the application is very smooth, the web-scraping however depends on the performance of A2L.</a:t>
                       </a:r>
                     </a:p>
                   </a:txBody>
-                  <a:tcPr/>
+                  <a:tcPr>
+                    <a:solidFill>
+                      <a:schemeClr val="bg1">
+                        <a:lumMod val="85000"/>
+                      </a:schemeClr>
+                    </a:solidFill>
+                  </a:tcPr>
                 </a:tc>
                 <a:extLst>
                   <a:ext uri="{0D108BD9-81ED-4DB2-BD59-A6C34878D82A}">
@@ -4017,12 +5032,22 @@
                     <a:lstStyle/>
                     <a:p>
                       <a:r>
-                        <a:rPr lang="en-CA" dirty="0"/>
+                        <a:rPr lang="en-CA" dirty="0">
+                          <a:latin typeface="Lato" panose="020F0502020204030203" pitchFamily="34" charset="0"/>
+                          <a:ea typeface="Lato" panose="020F0502020204030203" pitchFamily="34" charset="0"/>
+                          <a:cs typeface="Lato" panose="020F0502020204030203" pitchFamily="34" charset="0"/>
+                        </a:rPr>
                         <a:t>Usability</a:t>
                       </a:r>
                     </a:p>
                   </a:txBody>
-                  <a:tcPr/>
+                  <a:tcPr>
+                    <a:solidFill>
+                      <a:schemeClr val="bg1">
+                        <a:lumMod val="95000"/>
+                      </a:schemeClr>
+                    </a:solidFill>
+                  </a:tcPr>
                 </a:tc>
                 <a:tc>
                   <a:txBody>
@@ -4030,12 +5055,22 @@
                     <a:lstStyle/>
                     <a:p>
                       <a:r>
-                        <a:rPr lang="en-CA" dirty="0"/>
+                        <a:rPr lang="en-CA" dirty="0">
+                          <a:latin typeface="Lato" panose="020F0502020204030203" pitchFamily="34" charset="0"/>
+                          <a:ea typeface="Lato" panose="020F0502020204030203" pitchFamily="34" charset="0"/>
+                          <a:cs typeface="Lato" panose="020F0502020204030203" pitchFamily="34" charset="0"/>
+                        </a:rPr>
                         <a:t>5- The application is very effective at collecting and displaying the information in an organized manner.</a:t>
                       </a:r>
                     </a:p>
                   </a:txBody>
-                  <a:tcPr/>
+                  <a:tcPr>
+                    <a:solidFill>
+                      <a:schemeClr val="bg1">
+                        <a:lumMod val="95000"/>
+                      </a:schemeClr>
+                    </a:solidFill>
+                  </a:tcPr>
                 </a:tc>
                 <a:extLst>
                   <a:ext uri="{0D108BD9-81ED-4DB2-BD59-A6C34878D82A}">
@@ -4099,7 +5134,12 @@
           <a:lstStyle/>
           <a:p>
             <a:r>
-              <a:rPr lang="en-CA" dirty="0"/>
+              <a:rPr lang="en-CA" dirty="0">
+                <a:solidFill>
+                  <a:srgbClr val="980404"/>
+                </a:solidFill>
+                <a:latin typeface="Lora" panose="00000500000000000000" pitchFamily="2" charset="0"/>
+              </a:rPr>
               <a:t>Testing</a:t>
             </a:r>
           </a:p>
@@ -4179,18 +5219,394 @@
             <p:ph type="title"/>
           </p:nvPr>
         </p:nvSpPr>
-        <p:spPr/>
+        <p:spPr>
+          <a:xfrm>
+            <a:off x="4427220" y="2766218"/>
+            <a:ext cx="3337560" cy="1325563"/>
+          </a:xfrm>
+        </p:spPr>
         <p:txBody>
           <a:bodyPr/>
           <a:lstStyle/>
           <a:p>
             <a:r>
-              <a:rPr lang="en-CA" dirty="0"/>
-              <a:t>Questions</a:t>
-            </a:r>
-          </a:p>
-        </p:txBody>
-      </p:sp>
+              <a:rPr lang="en-CA" dirty="0">
+                <a:solidFill>
+                  <a:srgbClr val="980404"/>
+                </a:solidFill>
+                <a:latin typeface="Lora" panose="00000500000000000000" pitchFamily="2" charset="0"/>
+              </a:rPr>
+              <a:t>Questions?</a:t>
+            </a:r>
+          </a:p>
+        </p:txBody>
+      </p:sp>
+      <p:grpSp>
+        <p:nvGrpSpPr>
+          <p:cNvPr id="6" name="Group 5">
+            <a:extLst>
+              <a:ext uri="{FF2B5EF4-FFF2-40B4-BE49-F238E27FC236}">
+                <a16:creationId xmlns:a16="http://schemas.microsoft.com/office/drawing/2014/main" id="{56EBB9DE-C3E2-403A-BEC0-52067F1E3B25}"/>
+              </a:ext>
+            </a:extLst>
+          </p:cNvPr>
+          <p:cNvGrpSpPr/>
+          <p:nvPr/>
+        </p:nvGrpSpPr>
+        <p:grpSpPr>
+          <a:xfrm rot="15526026">
+            <a:off x="-2021910" y="4097098"/>
+            <a:ext cx="5775959" cy="4582014"/>
+            <a:chOff x="7299961" y="3758041"/>
+            <a:chExt cx="5775959" cy="4582014"/>
+          </a:xfrm>
+        </p:grpSpPr>
+        <p:sp>
+          <p:nvSpPr>
+            <p:cNvPr id="7" name="Parallelogram 6">
+              <a:extLst>
+                <a:ext uri="{FF2B5EF4-FFF2-40B4-BE49-F238E27FC236}">
+                  <a16:creationId xmlns:a16="http://schemas.microsoft.com/office/drawing/2014/main" id="{9425748B-967B-4CF0-A43C-029B70AA1576}"/>
+                </a:ext>
+              </a:extLst>
+            </p:cNvPr>
+            <p:cNvSpPr/>
+            <p:nvPr/>
+          </p:nvSpPr>
+          <p:spPr>
+            <a:xfrm rot="171982">
+              <a:off x="8183880" y="4520041"/>
+              <a:ext cx="4892040" cy="3820014"/>
+            </a:xfrm>
+            <a:prstGeom prst="parallelogram">
+              <a:avLst>
+                <a:gd name="adj" fmla="val 111572"/>
+              </a:avLst>
+            </a:prstGeom>
+            <a:solidFill>
+              <a:srgbClr val="980404"/>
+            </a:solidFill>
+            <a:ln>
+              <a:noFill/>
+            </a:ln>
+          </p:spPr>
+          <p:style>
+            <a:lnRef idx="2">
+              <a:schemeClr val="accent1">
+                <a:shade val="50000"/>
+              </a:schemeClr>
+            </a:lnRef>
+            <a:fillRef idx="1">
+              <a:schemeClr val="accent1"/>
+            </a:fillRef>
+            <a:effectRef idx="0">
+              <a:schemeClr val="accent1"/>
+            </a:effectRef>
+            <a:fontRef idx="minor">
+              <a:schemeClr val="lt1"/>
+            </a:fontRef>
+          </p:style>
+          <p:txBody>
+            <a:bodyPr rtlCol="0" anchor="ctr"/>
+            <a:lstStyle/>
+            <a:p>
+              <a:pPr algn="ctr"/>
+              <a:endParaRPr lang="en-CA" dirty="0"/>
+            </a:p>
+          </p:txBody>
+        </p:sp>
+        <p:sp>
+          <p:nvSpPr>
+            <p:cNvPr id="8" name="Parallelogram 7">
+              <a:extLst>
+                <a:ext uri="{FF2B5EF4-FFF2-40B4-BE49-F238E27FC236}">
+                  <a16:creationId xmlns:a16="http://schemas.microsoft.com/office/drawing/2014/main" id="{7600F404-1206-4FF5-AA1C-7CB9B41BE2B8}"/>
+                </a:ext>
+              </a:extLst>
+            </p:cNvPr>
+            <p:cNvSpPr/>
+            <p:nvPr/>
+          </p:nvSpPr>
+          <p:spPr>
+            <a:xfrm rot="171982">
+              <a:off x="7741921" y="4139040"/>
+              <a:ext cx="4892040" cy="3820014"/>
+            </a:xfrm>
+            <a:prstGeom prst="parallelogram">
+              <a:avLst>
+                <a:gd name="adj" fmla="val 111572"/>
+              </a:avLst>
+            </a:prstGeom>
+            <a:solidFill>
+              <a:srgbClr val="999999"/>
+            </a:solidFill>
+            <a:ln>
+              <a:noFill/>
+            </a:ln>
+          </p:spPr>
+          <p:style>
+            <a:lnRef idx="2">
+              <a:schemeClr val="accent1">
+                <a:shade val="50000"/>
+              </a:schemeClr>
+            </a:lnRef>
+            <a:fillRef idx="1">
+              <a:schemeClr val="accent1"/>
+            </a:fillRef>
+            <a:effectRef idx="0">
+              <a:schemeClr val="accent1"/>
+            </a:effectRef>
+            <a:fontRef idx="minor">
+              <a:schemeClr val="lt1"/>
+            </a:fontRef>
+          </p:style>
+          <p:txBody>
+            <a:bodyPr rtlCol="0" anchor="ctr"/>
+            <a:lstStyle/>
+            <a:p>
+              <a:pPr algn="ctr"/>
+              <a:endParaRPr lang="en-CA" dirty="0"/>
+            </a:p>
+          </p:txBody>
+        </p:sp>
+        <p:sp>
+          <p:nvSpPr>
+            <p:cNvPr id="9" name="Parallelogram 8">
+              <a:extLst>
+                <a:ext uri="{FF2B5EF4-FFF2-40B4-BE49-F238E27FC236}">
+                  <a16:creationId xmlns:a16="http://schemas.microsoft.com/office/drawing/2014/main" id="{FCEC5D22-0168-4E54-AA07-D6310519F4A8}"/>
+                </a:ext>
+              </a:extLst>
+            </p:cNvPr>
+            <p:cNvSpPr/>
+            <p:nvPr/>
+          </p:nvSpPr>
+          <p:spPr>
+            <a:xfrm rot="171982">
+              <a:off x="7299961" y="3758041"/>
+              <a:ext cx="4892040" cy="3820014"/>
+            </a:xfrm>
+            <a:prstGeom prst="parallelogram">
+              <a:avLst>
+                <a:gd name="adj" fmla="val 111572"/>
+              </a:avLst>
+            </a:prstGeom>
+            <a:solidFill>
+              <a:srgbClr val="980404"/>
+            </a:solidFill>
+            <a:ln>
+              <a:noFill/>
+            </a:ln>
+          </p:spPr>
+          <p:style>
+            <a:lnRef idx="2">
+              <a:schemeClr val="accent1">
+                <a:shade val="50000"/>
+              </a:schemeClr>
+            </a:lnRef>
+            <a:fillRef idx="1">
+              <a:schemeClr val="accent1"/>
+            </a:fillRef>
+            <a:effectRef idx="0">
+              <a:schemeClr val="accent1"/>
+            </a:effectRef>
+            <a:fontRef idx="minor">
+              <a:schemeClr val="lt1"/>
+            </a:fontRef>
+          </p:style>
+          <p:txBody>
+            <a:bodyPr rtlCol="0" anchor="ctr"/>
+            <a:lstStyle/>
+            <a:p>
+              <a:pPr algn="ctr"/>
+              <a:endParaRPr lang="en-CA" dirty="0"/>
+            </a:p>
+          </p:txBody>
+        </p:sp>
+      </p:grpSp>
+      <p:grpSp>
+        <p:nvGrpSpPr>
+          <p:cNvPr id="14" name="Group 13">
+            <a:extLst>
+              <a:ext uri="{FF2B5EF4-FFF2-40B4-BE49-F238E27FC236}">
+                <a16:creationId xmlns:a16="http://schemas.microsoft.com/office/drawing/2014/main" id="{77AF9D72-780E-4CBD-9796-7F59FAB51D7A}"/>
+              </a:ext>
+            </a:extLst>
+          </p:cNvPr>
+          <p:cNvGrpSpPr/>
+          <p:nvPr/>
+        </p:nvGrpSpPr>
+        <p:grpSpPr>
+          <a:xfrm rot="15526026">
+            <a:off x="8455590" y="-1549322"/>
+            <a:ext cx="5775959" cy="4582014"/>
+            <a:chOff x="7299961" y="3758041"/>
+            <a:chExt cx="5775959" cy="4582014"/>
+          </a:xfrm>
+        </p:grpSpPr>
+        <p:sp>
+          <p:nvSpPr>
+            <p:cNvPr id="15" name="Parallelogram 14">
+              <a:extLst>
+                <a:ext uri="{FF2B5EF4-FFF2-40B4-BE49-F238E27FC236}">
+                  <a16:creationId xmlns:a16="http://schemas.microsoft.com/office/drawing/2014/main" id="{4080EC7E-F5B0-483E-B23A-727A953214F4}"/>
+                </a:ext>
+              </a:extLst>
+            </p:cNvPr>
+            <p:cNvSpPr/>
+            <p:nvPr/>
+          </p:nvSpPr>
+          <p:spPr>
+            <a:xfrm rot="171982">
+              <a:off x="8183880" y="4520041"/>
+              <a:ext cx="4892040" cy="3820014"/>
+            </a:xfrm>
+            <a:prstGeom prst="parallelogram">
+              <a:avLst>
+                <a:gd name="adj" fmla="val 111572"/>
+              </a:avLst>
+            </a:prstGeom>
+            <a:solidFill>
+              <a:srgbClr val="980404"/>
+            </a:solidFill>
+            <a:ln>
+              <a:noFill/>
+            </a:ln>
+          </p:spPr>
+          <p:style>
+            <a:lnRef idx="2">
+              <a:schemeClr val="accent1">
+                <a:shade val="50000"/>
+              </a:schemeClr>
+            </a:lnRef>
+            <a:fillRef idx="1">
+              <a:schemeClr val="accent1"/>
+            </a:fillRef>
+            <a:effectRef idx="0">
+              <a:schemeClr val="accent1"/>
+            </a:effectRef>
+            <a:fontRef idx="minor">
+              <a:schemeClr val="lt1"/>
+            </a:fontRef>
+          </p:style>
+          <p:txBody>
+            <a:bodyPr rtlCol="0" anchor="ctr"/>
+            <a:lstStyle/>
+            <a:p>
+              <a:pPr algn="ctr"/>
+              <a:endParaRPr lang="en-CA" dirty="0"/>
+            </a:p>
+          </p:txBody>
+        </p:sp>
+        <p:sp>
+          <p:nvSpPr>
+            <p:cNvPr id="16" name="Parallelogram 15">
+              <a:extLst>
+                <a:ext uri="{FF2B5EF4-FFF2-40B4-BE49-F238E27FC236}">
+                  <a16:creationId xmlns:a16="http://schemas.microsoft.com/office/drawing/2014/main" id="{00902860-0A1F-4491-B4C8-FAB91FA1CFF4}"/>
+                </a:ext>
+              </a:extLst>
+            </p:cNvPr>
+            <p:cNvSpPr/>
+            <p:nvPr/>
+          </p:nvSpPr>
+          <p:spPr>
+            <a:xfrm rot="171982">
+              <a:off x="7741921" y="4139040"/>
+              <a:ext cx="4892040" cy="3820014"/>
+            </a:xfrm>
+            <a:prstGeom prst="parallelogram">
+              <a:avLst>
+                <a:gd name="adj" fmla="val 111572"/>
+              </a:avLst>
+            </a:prstGeom>
+            <a:solidFill>
+              <a:srgbClr val="999999"/>
+            </a:solidFill>
+            <a:ln>
+              <a:noFill/>
+            </a:ln>
+          </p:spPr>
+          <p:style>
+            <a:lnRef idx="2">
+              <a:schemeClr val="accent1">
+                <a:shade val="50000"/>
+              </a:schemeClr>
+            </a:lnRef>
+            <a:fillRef idx="1">
+              <a:schemeClr val="accent1"/>
+            </a:fillRef>
+            <a:effectRef idx="0">
+              <a:schemeClr val="accent1"/>
+            </a:effectRef>
+            <a:fontRef idx="minor">
+              <a:schemeClr val="lt1"/>
+            </a:fontRef>
+          </p:style>
+          <p:txBody>
+            <a:bodyPr rtlCol="0" anchor="ctr"/>
+            <a:lstStyle/>
+            <a:p>
+              <a:pPr algn="ctr"/>
+              <a:endParaRPr lang="en-CA" dirty="0"/>
+            </a:p>
+          </p:txBody>
+        </p:sp>
+        <p:sp>
+          <p:nvSpPr>
+            <p:cNvPr id="17" name="Parallelogram 16">
+              <a:extLst>
+                <a:ext uri="{FF2B5EF4-FFF2-40B4-BE49-F238E27FC236}">
+                  <a16:creationId xmlns:a16="http://schemas.microsoft.com/office/drawing/2014/main" id="{1A84C5B8-5F6A-4579-8640-71A7B075D293}"/>
+                </a:ext>
+              </a:extLst>
+            </p:cNvPr>
+            <p:cNvSpPr/>
+            <p:nvPr/>
+          </p:nvSpPr>
+          <p:spPr>
+            <a:xfrm rot="171982">
+              <a:off x="7299961" y="3758041"/>
+              <a:ext cx="4892040" cy="3820014"/>
+            </a:xfrm>
+            <a:prstGeom prst="parallelogram">
+              <a:avLst>
+                <a:gd name="adj" fmla="val 111572"/>
+              </a:avLst>
+            </a:prstGeom>
+            <a:solidFill>
+              <a:srgbClr val="980404"/>
+            </a:solidFill>
+            <a:ln>
+              <a:noFill/>
+            </a:ln>
+          </p:spPr>
+          <p:style>
+            <a:lnRef idx="2">
+              <a:schemeClr val="accent1">
+                <a:shade val="50000"/>
+              </a:schemeClr>
+            </a:lnRef>
+            <a:fillRef idx="1">
+              <a:schemeClr val="accent1"/>
+            </a:fillRef>
+            <a:effectRef idx="0">
+              <a:schemeClr val="accent1"/>
+            </a:effectRef>
+            <a:fontRef idx="minor">
+              <a:schemeClr val="lt1"/>
+            </a:fontRef>
+          </p:style>
+          <p:txBody>
+            <a:bodyPr rtlCol="0" anchor="ctr"/>
+            <a:lstStyle/>
+            <a:p>
+              <a:pPr algn="ctr"/>
+              <a:endParaRPr lang="en-CA" dirty="0"/>
+            </a:p>
+          </p:txBody>
+        </p:sp>
+      </p:grpSp>
     </p:spTree>
     <p:extLst>
       <p:ext uri="{BB962C8B-B14F-4D97-AF65-F5344CB8AC3E}">

--- a/Doc/FinalPresentation/FinalPresentation.pptx
+++ b/Doc/FinalPresentation/FinalPresentation.pptx
@@ -10,8 +10,9 @@
     <p:sldId id="258" r:id="rId4"/>
     <p:sldId id="260" r:id="rId5"/>
     <p:sldId id="261" r:id="rId6"/>
-    <p:sldId id="262" r:id="rId7"/>
-    <p:sldId id="263" r:id="rId8"/>
+    <p:sldId id="264" r:id="rId7"/>
+    <p:sldId id="262" r:id="rId8"/>
+    <p:sldId id="263" r:id="rId9"/>
   </p:sldIdLst>
   <p:sldSz cx="12192000" cy="6858000"/>
   <p:notesSz cx="6858000" cy="9144000"/>
@@ -279,7 +280,7 @@
           <a:p>
             <a:fld id="{318FCCB6-3301-4A49-BE67-DD821C730218}" type="datetimeFigureOut">
               <a:rPr lang="en-CA" smtClean="0"/>
-              <a:t>06/04/2021</a:t>
+              <a:t>2021-04-07</a:t>
             </a:fld>
             <a:endParaRPr lang="en-CA"/>
           </a:p>
@@ -479,7 +480,7 @@
           <a:p>
             <a:fld id="{318FCCB6-3301-4A49-BE67-DD821C730218}" type="datetimeFigureOut">
               <a:rPr lang="en-CA" smtClean="0"/>
-              <a:t>06/04/2021</a:t>
+              <a:t>2021-04-07</a:t>
             </a:fld>
             <a:endParaRPr lang="en-CA"/>
           </a:p>
@@ -689,7 +690,7 @@
           <a:p>
             <a:fld id="{318FCCB6-3301-4A49-BE67-DD821C730218}" type="datetimeFigureOut">
               <a:rPr lang="en-CA" smtClean="0"/>
-              <a:t>06/04/2021</a:t>
+              <a:t>2021-04-07</a:t>
             </a:fld>
             <a:endParaRPr lang="en-CA"/>
           </a:p>
@@ -889,7 +890,7 @@
           <a:p>
             <a:fld id="{318FCCB6-3301-4A49-BE67-DD821C730218}" type="datetimeFigureOut">
               <a:rPr lang="en-CA" smtClean="0"/>
-              <a:t>06/04/2021</a:t>
+              <a:t>2021-04-07</a:t>
             </a:fld>
             <a:endParaRPr lang="en-CA"/>
           </a:p>
@@ -1165,7 +1166,7 @@
           <a:p>
             <a:fld id="{318FCCB6-3301-4A49-BE67-DD821C730218}" type="datetimeFigureOut">
               <a:rPr lang="en-CA" smtClean="0"/>
-              <a:t>06/04/2021</a:t>
+              <a:t>2021-04-07</a:t>
             </a:fld>
             <a:endParaRPr lang="en-CA"/>
           </a:p>
@@ -1433,7 +1434,7 @@
           <a:p>
             <a:fld id="{318FCCB6-3301-4A49-BE67-DD821C730218}" type="datetimeFigureOut">
               <a:rPr lang="en-CA" smtClean="0"/>
-              <a:t>06/04/2021</a:t>
+              <a:t>2021-04-07</a:t>
             </a:fld>
             <a:endParaRPr lang="en-CA"/>
           </a:p>
@@ -1848,7 +1849,7 @@
           <a:p>
             <a:fld id="{318FCCB6-3301-4A49-BE67-DD821C730218}" type="datetimeFigureOut">
               <a:rPr lang="en-CA" smtClean="0"/>
-              <a:t>06/04/2021</a:t>
+              <a:t>2021-04-07</a:t>
             </a:fld>
             <a:endParaRPr lang="en-CA"/>
           </a:p>
@@ -1990,7 +1991,7 @@
           <a:p>
             <a:fld id="{318FCCB6-3301-4A49-BE67-DD821C730218}" type="datetimeFigureOut">
               <a:rPr lang="en-CA" smtClean="0"/>
-              <a:t>06/04/2021</a:t>
+              <a:t>2021-04-07</a:t>
             </a:fld>
             <a:endParaRPr lang="en-CA"/>
           </a:p>
@@ -2103,7 +2104,7 @@
           <a:p>
             <a:fld id="{318FCCB6-3301-4A49-BE67-DD821C730218}" type="datetimeFigureOut">
               <a:rPr lang="en-CA" smtClean="0"/>
-              <a:t>06/04/2021</a:t>
+              <a:t>2021-04-07</a:t>
             </a:fld>
             <a:endParaRPr lang="en-CA"/>
           </a:p>
@@ -2416,7 +2417,7 @@
           <a:p>
             <a:fld id="{318FCCB6-3301-4A49-BE67-DD821C730218}" type="datetimeFigureOut">
               <a:rPr lang="en-CA" smtClean="0"/>
-              <a:t>06/04/2021</a:t>
+              <a:t>2021-04-07</a:t>
             </a:fld>
             <a:endParaRPr lang="en-CA"/>
           </a:p>
@@ -2705,7 +2706,7 @@
           <a:p>
             <a:fld id="{318FCCB6-3301-4A49-BE67-DD821C730218}" type="datetimeFigureOut">
               <a:rPr lang="en-CA" smtClean="0"/>
-              <a:t>06/04/2021</a:t>
+              <a:t>2021-04-07</a:t>
             </a:fld>
             <a:endParaRPr lang="en-CA"/>
           </a:p>
@@ -2948,7 +2949,7 @@
           <a:p>
             <a:fld id="{318FCCB6-3301-4A49-BE67-DD821C730218}" type="datetimeFigureOut">
               <a:rPr lang="en-CA" smtClean="0"/>
-              <a:t>06/04/2021</a:t>
+              <a:t>2021-04-07</a:t>
             </a:fld>
             <a:endParaRPr lang="en-CA"/>
           </a:p>
@@ -3699,31 +3700,6 @@
       </p:grpSpPr>
       <p:sp>
         <p:nvSpPr>
-          <p:cNvPr id="2" name="Title 1">
-            <a:extLst>
-              <a:ext uri="{FF2B5EF4-FFF2-40B4-BE49-F238E27FC236}">
-                <a16:creationId xmlns:a16="http://schemas.microsoft.com/office/drawing/2014/main" id="{CA121E5D-E5F0-4ABD-9A34-75941C3D7C21}"/>
-              </a:ext>
-            </a:extLst>
-          </p:cNvPr>
-          <p:cNvSpPr>
-            <a:spLocks noGrp="1"/>
-          </p:cNvSpPr>
-          <p:nvPr>
-            <p:ph type="title"/>
-          </p:nvPr>
-        </p:nvSpPr>
-        <p:spPr/>
-        <p:txBody>
-          <a:bodyPr/>
-          <a:lstStyle/>
-          <a:p>
-            <a:endParaRPr lang="en-CA" dirty="0"/>
-          </a:p>
-        </p:txBody>
-      </p:sp>
-      <p:sp>
-        <p:nvSpPr>
           <p:cNvPr id="3" name="Content Placeholder 2">
             <a:extLst>
               <a:ext uri="{FF2B5EF4-FFF2-40B4-BE49-F238E27FC236}">
@@ -4776,14 +4752,14 @@
           <p:nvPr>
             <p:extLst>
               <p:ext uri="{D42A27DB-BD31-4B8C-83A1-F6EECF244321}">
-                <p14:modId xmlns:p14="http://schemas.microsoft.com/office/powerpoint/2010/main" val="1190652107"/>
+                <p14:modId xmlns:p14="http://schemas.microsoft.com/office/powerpoint/2010/main" val="2027252491"/>
               </p:ext>
             </p:extLst>
           </p:nvPr>
         </p:nvGraphicFramePr>
         <p:xfrm>
           <a:off x="1733259" y="1690688"/>
-          <a:ext cx="8725482" cy="4487811"/>
+          <a:ext cx="8725482" cy="4762131"/>
         </p:xfrm>
         <a:graphic>
           <a:graphicData uri="http://schemas.openxmlformats.org/drawingml/2006/table">
@@ -5007,7 +4983,7 @@
                           <a:ea typeface="Lato" panose="020F0502020204030203" pitchFamily="34" charset="0"/>
                           <a:cs typeface="Lato" panose="020F0502020204030203" pitchFamily="34" charset="0"/>
                         </a:rPr>
-                        <a:t>5 – The performance of the application is very smooth, the web-scraping however depends on the performance of A2L.</a:t>
+                        <a:t>5 – The performance of the web application is very smooth, the web-scraping however depends on the performance of A2L.</a:t>
                       </a:r>
                     </a:p>
                   </a:txBody>
@@ -5060,7 +5036,7 @@
                           <a:ea typeface="Lato" panose="020F0502020204030203" pitchFamily="34" charset="0"/>
                           <a:cs typeface="Lato" panose="020F0502020204030203" pitchFamily="34" charset="0"/>
                         </a:rPr>
-                        <a:t>5- The application is very effective at collecting and displaying the information in an organized manner.</a:t>
+                        <a:t>5 – The application is very effective at collecting and displaying the information in an organized manner.</a:t>
                       </a:r>
                     </a:p>
                   </a:txBody>
@@ -5117,6 +5093,103 @@
           <p:cNvPr id="2" name="Title 1">
             <a:extLst>
               <a:ext uri="{FF2B5EF4-FFF2-40B4-BE49-F238E27FC236}">
+                <a16:creationId xmlns:a16="http://schemas.microsoft.com/office/drawing/2014/main" id="{B739D18B-F68E-4544-B949-5C6372D38FF8}"/>
+              </a:ext>
+            </a:extLst>
+          </p:cNvPr>
+          <p:cNvSpPr>
+            <a:spLocks noGrp="1"/>
+          </p:cNvSpPr>
+          <p:nvPr>
+            <p:ph type="title"/>
+          </p:nvPr>
+        </p:nvSpPr>
+        <p:spPr/>
+        <p:txBody>
+          <a:bodyPr/>
+          <a:lstStyle/>
+          <a:p>
+            <a:r>
+              <a:rPr lang="en-CA" dirty="0">
+                <a:solidFill>
+                  <a:srgbClr val="980404"/>
+                </a:solidFill>
+              </a:rPr>
+              <a:t>Module Decomposition</a:t>
+            </a:r>
+          </a:p>
+        </p:txBody>
+      </p:sp>
+      <p:pic>
+        <p:nvPicPr>
+          <p:cNvPr id="5" name="Content Placeholder 4" descr="Diagram&#10;&#10;Description automatically generated">
+            <a:extLst>
+              <a:ext uri="{FF2B5EF4-FFF2-40B4-BE49-F238E27FC236}">
+                <a16:creationId xmlns:a16="http://schemas.microsoft.com/office/drawing/2014/main" id="{AF8B514E-4062-4582-952E-0AB0D75516F0}"/>
+              </a:ext>
+            </a:extLst>
+          </p:cNvPr>
+          <p:cNvPicPr>
+            <a:picLocks noGrp="1" noChangeAspect="1"/>
+          </p:cNvPicPr>
+          <p:nvPr>
+            <p:ph idx="1"/>
+          </p:nvPr>
+        </p:nvPicPr>
+        <p:blipFill>
+          <a:blip r:embed="rId2">
+            <a:extLst>
+              <a:ext uri="{28A0092B-C50C-407E-A947-70E740481C1C}">
+                <a14:useLocalDpi xmlns:a14="http://schemas.microsoft.com/office/drawing/2010/main" val="0"/>
+              </a:ext>
+            </a:extLst>
+          </a:blip>
+          <a:stretch>
+            <a:fillRect/>
+          </a:stretch>
+        </p:blipFill>
+        <p:spPr>
+          <a:xfrm>
+            <a:off x="4138612" y="2472531"/>
+            <a:ext cx="3914775" cy="3057525"/>
+          </a:xfrm>
+        </p:spPr>
+      </p:pic>
+    </p:spTree>
+    <p:extLst>
+      <p:ext uri="{BB962C8B-B14F-4D97-AF65-F5344CB8AC3E}">
+        <p14:creationId xmlns:p14="http://schemas.microsoft.com/office/powerpoint/2010/main" val="1767814000"/>
+      </p:ext>
+    </p:extLst>
+  </p:cSld>
+  <p:clrMapOvr>
+    <a:masterClrMapping/>
+  </p:clrMapOvr>
+</p:sld>
+</file>
+
+<file path=ppt/slides/slide7.xml><?xml version="1.0" encoding="utf-8"?>
+<p:sld xmlns:a="http://schemas.openxmlformats.org/drawingml/2006/main" xmlns:r="http://schemas.openxmlformats.org/officeDocument/2006/relationships" xmlns:p="http://schemas.openxmlformats.org/presentationml/2006/main">
+  <p:cSld>
+    <p:spTree>
+      <p:nvGrpSpPr>
+        <p:cNvPr id="1" name=""/>
+        <p:cNvGrpSpPr/>
+        <p:nvPr/>
+      </p:nvGrpSpPr>
+      <p:grpSpPr>
+        <a:xfrm>
+          <a:off x="0" y="0"/>
+          <a:ext cx="0" cy="0"/>
+          <a:chOff x="0" y="0"/>
+          <a:chExt cx="0" cy="0"/>
+        </a:xfrm>
+      </p:grpSpPr>
+      <p:sp>
+        <p:nvSpPr>
+          <p:cNvPr id="2" name="Title 1">
+            <a:extLst>
+              <a:ext uri="{FF2B5EF4-FFF2-40B4-BE49-F238E27FC236}">
                 <a16:creationId xmlns:a16="http://schemas.microsoft.com/office/drawing/2014/main" id="{D19529BA-433C-4FB9-88EA-0CE6DABC33AE}"/>
               </a:ext>
             </a:extLst>
@@ -5140,7 +5213,7 @@
                 </a:solidFill>
                 <a:latin typeface="Lora" panose="00000500000000000000" pitchFamily="2" charset="0"/>
               </a:rPr>
-              <a:t>Testing</a:t>
+              <a:t>Next Features</a:t>
             </a:r>
           </a:p>
         </p:txBody>
@@ -5166,10 +5239,22 @@
           <a:bodyPr/>
           <a:lstStyle/>
           <a:p>
-            <a:pPr marL="0" indent="0">
-              <a:buNone/>
-            </a:pPr>
-            <a:endParaRPr lang="en-CA" dirty="0"/>
+            <a:r>
+              <a:rPr lang="en-CA" dirty="0"/>
+              <a:t>Search Bar to find particular items</a:t>
+            </a:r>
+          </a:p>
+          <a:p>
+            <a:r>
+              <a:rPr lang="en-CA" dirty="0"/>
+              <a:t>Adding users (login, sign up) rather than putting in information each time.</a:t>
+            </a:r>
+          </a:p>
+          <a:p>
+            <a:r>
+              <a:rPr lang="en-CA" dirty="0"/>
+              <a:t>Grouping into “Today”, “Scheduled”, “All”, and “Courses”.</a:t>
+            </a:r>
           </a:p>
         </p:txBody>
       </p:sp>
@@ -5186,7 +5271,7 @@
 </p:sld>
 </file>
 
-<file path=ppt/slides/slide7.xml><?xml version="1.0" encoding="utf-8"?>
+<file path=ppt/slides/slide8.xml><?xml version="1.0" encoding="utf-8"?>
 <p:sld xmlns:a="http://schemas.openxmlformats.org/drawingml/2006/main" xmlns:r="http://schemas.openxmlformats.org/officeDocument/2006/relationships" xmlns:p="http://schemas.openxmlformats.org/presentationml/2006/main">
   <p:cSld>
     <p:spTree>

--- a/Doc/FinalPresentation/FinalPresentation.pptx
+++ b/Doc/FinalPresentation/FinalPresentation.pptx
@@ -10,9 +10,8 @@
     <p:sldId id="258" r:id="rId4"/>
     <p:sldId id="260" r:id="rId5"/>
     <p:sldId id="261" r:id="rId6"/>
-    <p:sldId id="264" r:id="rId7"/>
-    <p:sldId id="262" r:id="rId8"/>
-    <p:sldId id="263" r:id="rId9"/>
+    <p:sldId id="262" r:id="rId7"/>
+    <p:sldId id="263" r:id="rId8"/>
   </p:sldIdLst>
   <p:sldSz cx="12192000" cy="6858000"/>
   <p:notesSz cx="6858000" cy="9144000"/>
@@ -5093,103 +5092,6 @@
           <p:cNvPr id="2" name="Title 1">
             <a:extLst>
               <a:ext uri="{FF2B5EF4-FFF2-40B4-BE49-F238E27FC236}">
-                <a16:creationId xmlns:a16="http://schemas.microsoft.com/office/drawing/2014/main" id="{B739D18B-F68E-4544-B949-5C6372D38FF8}"/>
-              </a:ext>
-            </a:extLst>
-          </p:cNvPr>
-          <p:cNvSpPr>
-            <a:spLocks noGrp="1"/>
-          </p:cNvSpPr>
-          <p:nvPr>
-            <p:ph type="title"/>
-          </p:nvPr>
-        </p:nvSpPr>
-        <p:spPr/>
-        <p:txBody>
-          <a:bodyPr/>
-          <a:lstStyle/>
-          <a:p>
-            <a:r>
-              <a:rPr lang="en-CA" dirty="0">
-                <a:solidFill>
-                  <a:srgbClr val="980404"/>
-                </a:solidFill>
-              </a:rPr>
-              <a:t>Module Decomposition</a:t>
-            </a:r>
-          </a:p>
-        </p:txBody>
-      </p:sp>
-      <p:pic>
-        <p:nvPicPr>
-          <p:cNvPr id="5" name="Content Placeholder 4" descr="Diagram&#10;&#10;Description automatically generated">
-            <a:extLst>
-              <a:ext uri="{FF2B5EF4-FFF2-40B4-BE49-F238E27FC236}">
-                <a16:creationId xmlns:a16="http://schemas.microsoft.com/office/drawing/2014/main" id="{AF8B514E-4062-4582-952E-0AB0D75516F0}"/>
-              </a:ext>
-            </a:extLst>
-          </p:cNvPr>
-          <p:cNvPicPr>
-            <a:picLocks noGrp="1" noChangeAspect="1"/>
-          </p:cNvPicPr>
-          <p:nvPr>
-            <p:ph idx="1"/>
-          </p:nvPr>
-        </p:nvPicPr>
-        <p:blipFill>
-          <a:blip r:embed="rId2">
-            <a:extLst>
-              <a:ext uri="{28A0092B-C50C-407E-A947-70E740481C1C}">
-                <a14:useLocalDpi xmlns:a14="http://schemas.microsoft.com/office/drawing/2010/main" val="0"/>
-              </a:ext>
-            </a:extLst>
-          </a:blip>
-          <a:stretch>
-            <a:fillRect/>
-          </a:stretch>
-        </p:blipFill>
-        <p:spPr>
-          <a:xfrm>
-            <a:off x="4138612" y="2472531"/>
-            <a:ext cx="3914775" cy="3057525"/>
-          </a:xfrm>
-        </p:spPr>
-      </p:pic>
-    </p:spTree>
-    <p:extLst>
-      <p:ext uri="{BB962C8B-B14F-4D97-AF65-F5344CB8AC3E}">
-        <p14:creationId xmlns:p14="http://schemas.microsoft.com/office/powerpoint/2010/main" val="1767814000"/>
-      </p:ext>
-    </p:extLst>
-  </p:cSld>
-  <p:clrMapOvr>
-    <a:masterClrMapping/>
-  </p:clrMapOvr>
-</p:sld>
-</file>
-
-<file path=ppt/slides/slide7.xml><?xml version="1.0" encoding="utf-8"?>
-<p:sld xmlns:a="http://schemas.openxmlformats.org/drawingml/2006/main" xmlns:r="http://schemas.openxmlformats.org/officeDocument/2006/relationships" xmlns:p="http://schemas.openxmlformats.org/presentationml/2006/main">
-  <p:cSld>
-    <p:spTree>
-      <p:nvGrpSpPr>
-        <p:cNvPr id="1" name=""/>
-        <p:cNvGrpSpPr/>
-        <p:nvPr/>
-      </p:nvGrpSpPr>
-      <p:grpSpPr>
-        <a:xfrm>
-          <a:off x="0" y="0"/>
-          <a:ext cx="0" cy="0"/>
-          <a:chOff x="0" y="0"/>
-          <a:chExt cx="0" cy="0"/>
-        </a:xfrm>
-      </p:grpSpPr>
-      <p:sp>
-        <p:nvSpPr>
-          <p:cNvPr id="2" name="Title 1">
-            <a:extLst>
-              <a:ext uri="{FF2B5EF4-FFF2-40B4-BE49-F238E27FC236}">
                 <a16:creationId xmlns:a16="http://schemas.microsoft.com/office/drawing/2014/main" id="{D19529BA-433C-4FB9-88EA-0CE6DABC33AE}"/>
               </a:ext>
             </a:extLst>
@@ -5271,7 +5173,7 @@
 </p:sld>
 </file>
 
-<file path=ppt/slides/slide8.xml><?xml version="1.0" encoding="utf-8"?>
+<file path=ppt/slides/slide7.xml><?xml version="1.0" encoding="utf-8"?>
 <p:sld xmlns:a="http://schemas.openxmlformats.org/drawingml/2006/main" xmlns:r="http://schemas.openxmlformats.org/officeDocument/2006/relationships" xmlns:p="http://schemas.openxmlformats.org/presentationml/2006/main">
   <p:cSld>
     <p:spTree>

--- a/Doc/FinalPresentation/FinalPresentation.pptx
+++ b/Doc/FinalPresentation/FinalPresentation.pptx
@@ -3390,11 +3390,14 @@
           <a:p>
             <a:r>
               <a:rPr lang="en-CA" dirty="0">
+                <a:solidFill>
+                  <a:srgbClr val="980404"/>
+                </a:solidFill>
                 <a:latin typeface="Lato" panose="020F0502020204030203" pitchFamily="34" charset="0"/>
                 <a:ea typeface="Lato" panose="020F0502020204030203" pitchFamily="34" charset="0"/>
                 <a:cs typeface="Lato" panose="020F0502020204030203" pitchFamily="34" charset="0"/>
               </a:rPr>
-              <a:t>Team 9</a:t>
+              <a:t>Group 9</a:t>
             </a:r>
           </a:p>
           <a:p>
@@ -3756,7 +3759,7 @@
                 <a:ea typeface="Lato" panose="020F0502020204030203" pitchFamily="34" charset="0"/>
                 <a:cs typeface="Lato" panose="020F0502020204030203" pitchFamily="34" charset="0"/>
               </a:rPr>
-              <a:t>The backend web-scraping is done through python.</a:t>
+              <a:t>The backend web-scraping is done through Python.</a:t>
             </a:r>
           </a:p>
           <a:p>
@@ -3767,7 +3770,7 @@
                 <a:ea typeface="Lato" panose="020F0502020204030203" pitchFamily="34" charset="0"/>
                 <a:cs typeface="Lato" panose="020F0502020204030203" pitchFamily="34" charset="0"/>
               </a:rPr>
-              <a:t>The frontend web application is made with react-native.</a:t>
+              <a:t>The frontend web application is made with React.</a:t>
             </a:r>
           </a:p>
           <a:p>
@@ -4751,7 +4754,7 @@
           <p:nvPr>
             <p:extLst>
               <p:ext uri="{D42A27DB-BD31-4B8C-83A1-F6EECF244321}">
-                <p14:modId xmlns:p14="http://schemas.microsoft.com/office/powerpoint/2010/main" val="2027252491"/>
+                <p14:modId xmlns:p14="http://schemas.microsoft.com/office/powerpoint/2010/main" val="1864624922"/>
               </p:ext>
             </p:extLst>
           </p:nvPr>
@@ -4929,7 +4932,7 @@
                           <a:ea typeface="Lato" panose="020F0502020204030203" pitchFamily="34" charset="0"/>
                           <a:cs typeface="Lato" panose="020F0502020204030203" pitchFamily="34" charset="0"/>
                         </a:rPr>
-                        <a:t>5 – The usage of React-Native to implement the frontend allows the application to be very portable making it usable on a mobile device.</a:t>
+                        <a:t>5 – The usage of React to implement the frontend allows the application to be very portable making it usable on devices with HTML Support.</a:t>
                       </a:r>
                     </a:p>
                   </a:txBody>
@@ -5073,6 +5076,14 @@
 <file path=ppt/slides/slide6.xml><?xml version="1.0" encoding="utf-8"?>
 <p:sld xmlns:a="http://schemas.openxmlformats.org/drawingml/2006/main" xmlns:r="http://schemas.openxmlformats.org/officeDocument/2006/relationships" xmlns:p="http://schemas.openxmlformats.org/presentationml/2006/main">
   <p:cSld>
+    <p:bg>
+      <p:bgPr>
+        <a:solidFill>
+          <a:schemeClr val="bg1"/>
+        </a:solidFill>
+        <a:effectLst/>
+      </p:bgPr>
+    </p:bg>
     <p:spTree>
       <p:nvGrpSpPr>
         <p:cNvPr id="1" name=""/>
@@ -5089,6 +5100,1306 @@
       </p:grpSpPr>
       <p:sp>
         <p:nvSpPr>
+          <p:cNvPr id="139" name="Rectangle 138">
+            <a:extLst>
+              <a:ext uri="{FF2B5EF4-FFF2-40B4-BE49-F238E27FC236}">
+                <a16:creationId xmlns:a16="http://schemas.microsoft.com/office/drawing/2014/main" id="{9F701746-0657-4467-BBD3-24051A715C25}"/>
+              </a:ext>
+              <a:ext uri="{C183D7F6-B498-43B3-948B-1728B52AA6E4}">
+                <adec:decorative xmlns:adec="http://schemas.microsoft.com/office/drawing/2017/decorative" val="1"/>
+              </a:ext>
+            </a:extLst>
+          </p:cNvPr>
+          <p:cNvSpPr>
+            <a:spLocks noGrp="1" noRot="1" noChangeAspect="1" noMove="1" noResize="1" noEditPoints="1" noAdjustHandles="1" noChangeArrowheads="1" noChangeShapeType="1" noTextEdit="1"/>
+          </p:cNvSpPr>
+          <p:nvPr>
+            <p:extLst>
+              <p:ext uri="{386F3935-93C4-4BCD-93E2-E3B085C9AB24}">
+                <p16:designElem xmlns:p16="http://schemas.microsoft.com/office/powerpoint/2015/main" val="1"/>
+              </p:ext>
+            </p:extLst>
+          </p:nvPr>
+        </p:nvSpPr>
+        <p:spPr>
+          <a:xfrm>
+            <a:off x="0" y="0"/>
+            <a:ext cx="12192000" cy="6858000"/>
+          </a:xfrm>
+          <a:prstGeom prst="rect">
+            <a:avLst/>
+          </a:prstGeom>
+          <a:solidFill>
+            <a:srgbClr val="FFFFFF"/>
+          </a:solidFill>
+          <a:ln w="12700" cap="flat" cmpd="sng" algn="ctr">
+            <a:noFill/>
+            <a:prstDash val="solid"/>
+            <a:miter lim="800000"/>
+          </a:ln>
+          <a:effectLst/>
+        </p:spPr>
+        <p:style>
+          <a:lnRef idx="2">
+            <a:schemeClr val="accent1">
+              <a:shade val="50000"/>
+            </a:schemeClr>
+          </a:lnRef>
+          <a:fillRef idx="1">
+            <a:schemeClr val="accent1"/>
+          </a:fillRef>
+          <a:effectRef idx="0">
+            <a:schemeClr val="accent1"/>
+          </a:effectRef>
+          <a:fontRef idx="minor">
+            <a:schemeClr val="lt1"/>
+          </a:fontRef>
+        </p:style>
+        <p:txBody>
+          <a:bodyPr rtlCol="0" anchor="ctr"/>
+          <a:lstStyle/>
+          <a:p>
+            <a:pPr algn="ctr"/>
+            <a:endParaRPr lang="en-US"/>
+          </a:p>
+        </p:txBody>
+      </p:sp>
+      <p:pic>
+        <p:nvPicPr>
+          <p:cNvPr id="1030" name="Picture 6" descr="No description available.">
+            <a:extLst>
+              <a:ext uri="{FF2B5EF4-FFF2-40B4-BE49-F238E27FC236}">
+                <a16:creationId xmlns:a16="http://schemas.microsoft.com/office/drawing/2014/main" id="{CB1DE8B5-CE51-4891-8CD1-CAB510A3F401}"/>
+              </a:ext>
+            </a:extLst>
+          </p:cNvPr>
+          <p:cNvPicPr>
+            <a:picLocks noChangeAspect="1" noChangeArrowheads="1"/>
+          </p:cNvPicPr>
+          <p:nvPr/>
+        </p:nvPicPr>
+        <p:blipFill rotWithShape="1">
+          <a:blip r:embed="rId2">
+            <a:extLst>
+              <a:ext uri="{28A0092B-C50C-407E-A947-70E740481C1C}">
+                <a14:useLocalDpi xmlns:a14="http://schemas.microsoft.com/office/drawing/2010/main" val="0"/>
+              </a:ext>
+            </a:extLst>
+          </a:blip>
+          <a:srcRect r="43522" b="-1"/>
+          <a:stretch/>
+        </p:blipFill>
+        <p:spPr bwMode="auto">
+          <a:xfrm>
+            <a:off x="4559968" y="10"/>
+            <a:ext cx="7632032" cy="6857990"/>
+          </a:xfrm>
+          <a:prstGeom prst="rect">
+            <a:avLst/>
+          </a:prstGeom>
+          <a:noFill/>
+          <a:extLst>
+            <a:ext uri="{909E8E84-426E-40DD-AFC4-6F175D3DCCD1}">
+              <a14:hiddenFill xmlns:a14="http://schemas.microsoft.com/office/drawing/2010/main">
+                <a:solidFill>
+                  <a:srgbClr val="FFFFFF"/>
+                </a:solidFill>
+              </a14:hiddenFill>
+            </a:ext>
+          </a:extLst>
+        </p:spPr>
+      </p:pic>
+      <p:sp useBgFill="1">
+        <p:nvSpPr>
+          <p:cNvPr id="141" name="Freeform: Shape 140">
+            <a:extLst>
+              <a:ext uri="{FF2B5EF4-FFF2-40B4-BE49-F238E27FC236}">
+                <a16:creationId xmlns:a16="http://schemas.microsoft.com/office/drawing/2014/main" id="{117BEB00-3E3D-4F08-AF56-DB0D22FB5F64}"/>
+              </a:ext>
+              <a:ext uri="{C183D7F6-B498-43B3-948B-1728B52AA6E4}">
+                <adec:decorative xmlns:adec="http://schemas.microsoft.com/office/drawing/2017/decorative" val="1"/>
+              </a:ext>
+            </a:extLst>
+          </p:cNvPr>
+          <p:cNvSpPr>
+            <a:spLocks noGrp="1" noRot="1" noChangeAspect="1" noMove="1" noResize="1" noEditPoints="1" noAdjustHandles="1" noChangeArrowheads="1" noChangeShapeType="1" noTextEdit="1"/>
+          </p:cNvSpPr>
+          <p:nvPr>
+            <p:extLst>
+              <p:ext uri="{386F3935-93C4-4BCD-93E2-E3B085C9AB24}">
+                <p16:designElem xmlns:p16="http://schemas.microsoft.com/office/powerpoint/2015/main" val="1"/>
+              </p:ext>
+            </p:extLst>
+          </p:nvPr>
+        </p:nvSpPr>
+        <p:spPr bwMode="ltGray">
+          <a:xfrm rot="10800000">
+            <a:off x="1" y="0"/>
+            <a:ext cx="4802188" cy="6858000"/>
+          </a:xfrm>
+          <a:custGeom>
+            <a:avLst/>
+            <a:gdLst>
+              <a:gd name="connsiteX0" fmla="*/ 0 w 4802188"/>
+              <a:gd name="connsiteY0" fmla="*/ 0 h 6858000"/>
+              <a:gd name="connsiteX1" fmla="*/ 4802188 w 4802188"/>
+              <a:gd name="connsiteY1" fmla="*/ 0 h 6858000"/>
+              <a:gd name="connsiteX2" fmla="*/ 4802188 w 4802188"/>
+              <a:gd name="connsiteY2" fmla="*/ 6858000 h 6858000"/>
+              <a:gd name="connsiteX3" fmla="*/ 0 w 4802188"/>
+              <a:gd name="connsiteY3" fmla="*/ 6858000 h 6858000"/>
+              <a:gd name="connsiteX4" fmla="*/ 4763 w 4802188"/>
+              <a:gd name="connsiteY4" fmla="*/ 6791325 h 6858000"/>
+              <a:gd name="connsiteX5" fmla="*/ 12700 w 4802188"/>
+              <a:gd name="connsiteY5" fmla="*/ 6735762 h 6858000"/>
+              <a:gd name="connsiteX6" fmla="*/ 22225 w 4802188"/>
+              <a:gd name="connsiteY6" fmla="*/ 6683375 h 6858000"/>
+              <a:gd name="connsiteX7" fmla="*/ 38100 w 4802188"/>
+              <a:gd name="connsiteY7" fmla="*/ 6640512 h 6858000"/>
+              <a:gd name="connsiteX8" fmla="*/ 53975 w 4802188"/>
+              <a:gd name="connsiteY8" fmla="*/ 6597650 h 6858000"/>
+              <a:gd name="connsiteX9" fmla="*/ 73025 w 4802188"/>
+              <a:gd name="connsiteY9" fmla="*/ 6561137 h 6858000"/>
+              <a:gd name="connsiteX10" fmla="*/ 92075 w 4802188"/>
+              <a:gd name="connsiteY10" fmla="*/ 6523037 h 6858000"/>
+              <a:gd name="connsiteX11" fmla="*/ 109538 w 4802188"/>
+              <a:gd name="connsiteY11" fmla="*/ 6488112 h 6858000"/>
+              <a:gd name="connsiteX12" fmla="*/ 127000 w 4802188"/>
+              <a:gd name="connsiteY12" fmla="*/ 6448425 h 6858000"/>
+              <a:gd name="connsiteX13" fmla="*/ 142875 w 4802188"/>
+              <a:gd name="connsiteY13" fmla="*/ 6407150 h 6858000"/>
+              <a:gd name="connsiteX14" fmla="*/ 157163 w 4802188"/>
+              <a:gd name="connsiteY14" fmla="*/ 6361112 h 6858000"/>
+              <a:gd name="connsiteX15" fmla="*/ 168275 w 4802188"/>
+              <a:gd name="connsiteY15" fmla="*/ 6311900 h 6858000"/>
+              <a:gd name="connsiteX16" fmla="*/ 176213 w 4802188"/>
+              <a:gd name="connsiteY16" fmla="*/ 6251575 h 6858000"/>
+              <a:gd name="connsiteX17" fmla="*/ 179388 w 4802188"/>
+              <a:gd name="connsiteY17" fmla="*/ 6183312 h 6858000"/>
+              <a:gd name="connsiteX18" fmla="*/ 176213 w 4802188"/>
+              <a:gd name="connsiteY18" fmla="*/ 6113462 h 6858000"/>
+              <a:gd name="connsiteX19" fmla="*/ 168275 w 4802188"/>
+              <a:gd name="connsiteY19" fmla="*/ 6056312 h 6858000"/>
+              <a:gd name="connsiteX20" fmla="*/ 157163 w 4802188"/>
+              <a:gd name="connsiteY20" fmla="*/ 6003925 h 6858000"/>
+              <a:gd name="connsiteX21" fmla="*/ 142875 w 4802188"/>
+              <a:gd name="connsiteY21" fmla="*/ 5956300 h 6858000"/>
+              <a:gd name="connsiteX22" fmla="*/ 127000 w 4802188"/>
+              <a:gd name="connsiteY22" fmla="*/ 5915025 h 6858000"/>
+              <a:gd name="connsiteX23" fmla="*/ 107950 w 4802188"/>
+              <a:gd name="connsiteY23" fmla="*/ 5876925 h 6858000"/>
+              <a:gd name="connsiteX24" fmla="*/ 88900 w 4802188"/>
+              <a:gd name="connsiteY24" fmla="*/ 5840412 h 6858000"/>
+              <a:gd name="connsiteX25" fmla="*/ 69850 w 4802188"/>
+              <a:gd name="connsiteY25" fmla="*/ 5802312 h 6858000"/>
+              <a:gd name="connsiteX26" fmla="*/ 52388 w 4802188"/>
+              <a:gd name="connsiteY26" fmla="*/ 5762625 h 6858000"/>
+              <a:gd name="connsiteX27" fmla="*/ 34925 w 4802188"/>
+              <a:gd name="connsiteY27" fmla="*/ 5721350 h 6858000"/>
+              <a:gd name="connsiteX28" fmla="*/ 20638 w 4802188"/>
+              <a:gd name="connsiteY28" fmla="*/ 5675312 h 6858000"/>
+              <a:gd name="connsiteX29" fmla="*/ 11113 w 4802188"/>
+              <a:gd name="connsiteY29" fmla="*/ 5622925 h 6858000"/>
+              <a:gd name="connsiteX30" fmla="*/ 1588 w 4802188"/>
+              <a:gd name="connsiteY30" fmla="*/ 5562600 h 6858000"/>
+              <a:gd name="connsiteX31" fmla="*/ 0 w 4802188"/>
+              <a:gd name="connsiteY31" fmla="*/ 5494337 h 6858000"/>
+              <a:gd name="connsiteX32" fmla="*/ 1588 w 4802188"/>
+              <a:gd name="connsiteY32" fmla="*/ 5426075 h 6858000"/>
+              <a:gd name="connsiteX33" fmla="*/ 11113 w 4802188"/>
+              <a:gd name="connsiteY33" fmla="*/ 5365750 h 6858000"/>
+              <a:gd name="connsiteX34" fmla="*/ 20638 w 4802188"/>
+              <a:gd name="connsiteY34" fmla="*/ 5313362 h 6858000"/>
+              <a:gd name="connsiteX35" fmla="*/ 34925 w 4802188"/>
+              <a:gd name="connsiteY35" fmla="*/ 5268912 h 6858000"/>
+              <a:gd name="connsiteX36" fmla="*/ 52388 w 4802188"/>
+              <a:gd name="connsiteY36" fmla="*/ 5226050 h 6858000"/>
+              <a:gd name="connsiteX37" fmla="*/ 69850 w 4802188"/>
+              <a:gd name="connsiteY37" fmla="*/ 5186362 h 6858000"/>
+              <a:gd name="connsiteX38" fmla="*/ 88900 w 4802188"/>
+              <a:gd name="connsiteY38" fmla="*/ 5149850 h 6858000"/>
+              <a:gd name="connsiteX39" fmla="*/ 107950 w 4802188"/>
+              <a:gd name="connsiteY39" fmla="*/ 5114925 h 6858000"/>
+              <a:gd name="connsiteX40" fmla="*/ 127000 w 4802188"/>
+              <a:gd name="connsiteY40" fmla="*/ 5075237 h 6858000"/>
+              <a:gd name="connsiteX41" fmla="*/ 142875 w 4802188"/>
+              <a:gd name="connsiteY41" fmla="*/ 5033962 h 6858000"/>
+              <a:gd name="connsiteX42" fmla="*/ 157163 w 4802188"/>
+              <a:gd name="connsiteY42" fmla="*/ 4987925 h 6858000"/>
+              <a:gd name="connsiteX43" fmla="*/ 168275 w 4802188"/>
+              <a:gd name="connsiteY43" fmla="*/ 4935537 h 6858000"/>
+              <a:gd name="connsiteX44" fmla="*/ 176213 w 4802188"/>
+              <a:gd name="connsiteY44" fmla="*/ 4875212 h 6858000"/>
+              <a:gd name="connsiteX45" fmla="*/ 179388 w 4802188"/>
+              <a:gd name="connsiteY45" fmla="*/ 4806950 h 6858000"/>
+              <a:gd name="connsiteX46" fmla="*/ 176213 w 4802188"/>
+              <a:gd name="connsiteY46" fmla="*/ 4738687 h 6858000"/>
+              <a:gd name="connsiteX47" fmla="*/ 168275 w 4802188"/>
+              <a:gd name="connsiteY47" fmla="*/ 4678362 h 6858000"/>
+              <a:gd name="connsiteX48" fmla="*/ 157163 w 4802188"/>
+              <a:gd name="connsiteY48" fmla="*/ 4625975 h 6858000"/>
+              <a:gd name="connsiteX49" fmla="*/ 142875 w 4802188"/>
+              <a:gd name="connsiteY49" fmla="*/ 4579937 h 6858000"/>
+              <a:gd name="connsiteX50" fmla="*/ 127000 w 4802188"/>
+              <a:gd name="connsiteY50" fmla="*/ 4537075 h 6858000"/>
+              <a:gd name="connsiteX51" fmla="*/ 107950 w 4802188"/>
+              <a:gd name="connsiteY51" fmla="*/ 4498975 h 6858000"/>
+              <a:gd name="connsiteX52" fmla="*/ 69850 w 4802188"/>
+              <a:gd name="connsiteY52" fmla="*/ 4424362 h 6858000"/>
+              <a:gd name="connsiteX53" fmla="*/ 52388 w 4802188"/>
+              <a:gd name="connsiteY53" fmla="*/ 4386262 h 6858000"/>
+              <a:gd name="connsiteX54" fmla="*/ 34925 w 4802188"/>
+              <a:gd name="connsiteY54" fmla="*/ 4343400 h 6858000"/>
+              <a:gd name="connsiteX55" fmla="*/ 20638 w 4802188"/>
+              <a:gd name="connsiteY55" fmla="*/ 4297362 h 6858000"/>
+              <a:gd name="connsiteX56" fmla="*/ 11113 w 4802188"/>
+              <a:gd name="connsiteY56" fmla="*/ 4244975 h 6858000"/>
+              <a:gd name="connsiteX57" fmla="*/ 1588 w 4802188"/>
+              <a:gd name="connsiteY57" fmla="*/ 4186237 h 6858000"/>
+              <a:gd name="connsiteX58" fmla="*/ 0 w 4802188"/>
+              <a:gd name="connsiteY58" fmla="*/ 4116387 h 6858000"/>
+              <a:gd name="connsiteX59" fmla="*/ 1588 w 4802188"/>
+              <a:gd name="connsiteY59" fmla="*/ 4048125 h 6858000"/>
+              <a:gd name="connsiteX60" fmla="*/ 11113 w 4802188"/>
+              <a:gd name="connsiteY60" fmla="*/ 3987800 h 6858000"/>
+              <a:gd name="connsiteX61" fmla="*/ 20638 w 4802188"/>
+              <a:gd name="connsiteY61" fmla="*/ 3935412 h 6858000"/>
+              <a:gd name="connsiteX62" fmla="*/ 34925 w 4802188"/>
+              <a:gd name="connsiteY62" fmla="*/ 3890962 h 6858000"/>
+              <a:gd name="connsiteX63" fmla="*/ 52388 w 4802188"/>
+              <a:gd name="connsiteY63" fmla="*/ 3848100 h 6858000"/>
+              <a:gd name="connsiteX64" fmla="*/ 69850 w 4802188"/>
+              <a:gd name="connsiteY64" fmla="*/ 3811587 h 6858000"/>
+              <a:gd name="connsiteX65" fmla="*/ 107950 w 4802188"/>
+              <a:gd name="connsiteY65" fmla="*/ 3736975 h 6858000"/>
+              <a:gd name="connsiteX66" fmla="*/ 127000 w 4802188"/>
+              <a:gd name="connsiteY66" fmla="*/ 3697287 h 6858000"/>
+              <a:gd name="connsiteX67" fmla="*/ 142875 w 4802188"/>
+              <a:gd name="connsiteY67" fmla="*/ 3656012 h 6858000"/>
+              <a:gd name="connsiteX68" fmla="*/ 157163 w 4802188"/>
+              <a:gd name="connsiteY68" fmla="*/ 3609975 h 6858000"/>
+              <a:gd name="connsiteX69" fmla="*/ 168275 w 4802188"/>
+              <a:gd name="connsiteY69" fmla="*/ 3557587 h 6858000"/>
+              <a:gd name="connsiteX70" fmla="*/ 176213 w 4802188"/>
+              <a:gd name="connsiteY70" fmla="*/ 3497262 h 6858000"/>
+              <a:gd name="connsiteX71" fmla="*/ 179388 w 4802188"/>
+              <a:gd name="connsiteY71" fmla="*/ 3427412 h 6858000"/>
+              <a:gd name="connsiteX72" fmla="*/ 176213 w 4802188"/>
+              <a:gd name="connsiteY72" fmla="*/ 3360737 h 6858000"/>
+              <a:gd name="connsiteX73" fmla="*/ 168275 w 4802188"/>
+              <a:gd name="connsiteY73" fmla="*/ 3300412 h 6858000"/>
+              <a:gd name="connsiteX74" fmla="*/ 157163 w 4802188"/>
+              <a:gd name="connsiteY74" fmla="*/ 3248025 h 6858000"/>
+              <a:gd name="connsiteX75" fmla="*/ 142875 w 4802188"/>
+              <a:gd name="connsiteY75" fmla="*/ 3201987 h 6858000"/>
+              <a:gd name="connsiteX76" fmla="*/ 127000 w 4802188"/>
+              <a:gd name="connsiteY76" fmla="*/ 3160712 h 6858000"/>
+              <a:gd name="connsiteX77" fmla="*/ 107950 w 4802188"/>
+              <a:gd name="connsiteY77" fmla="*/ 3121025 h 6858000"/>
+              <a:gd name="connsiteX78" fmla="*/ 88900 w 4802188"/>
+              <a:gd name="connsiteY78" fmla="*/ 3084512 h 6858000"/>
+              <a:gd name="connsiteX79" fmla="*/ 69850 w 4802188"/>
+              <a:gd name="connsiteY79" fmla="*/ 3046412 h 6858000"/>
+              <a:gd name="connsiteX80" fmla="*/ 52388 w 4802188"/>
+              <a:gd name="connsiteY80" fmla="*/ 3009900 h 6858000"/>
+              <a:gd name="connsiteX81" fmla="*/ 34925 w 4802188"/>
+              <a:gd name="connsiteY81" fmla="*/ 2967037 h 6858000"/>
+              <a:gd name="connsiteX82" fmla="*/ 20638 w 4802188"/>
+              <a:gd name="connsiteY82" fmla="*/ 2922587 h 6858000"/>
+              <a:gd name="connsiteX83" fmla="*/ 11113 w 4802188"/>
+              <a:gd name="connsiteY83" fmla="*/ 2868612 h 6858000"/>
+              <a:gd name="connsiteX84" fmla="*/ 1588 w 4802188"/>
+              <a:gd name="connsiteY84" fmla="*/ 2809875 h 6858000"/>
+              <a:gd name="connsiteX85" fmla="*/ 0 w 4802188"/>
+              <a:gd name="connsiteY85" fmla="*/ 2741612 h 6858000"/>
+              <a:gd name="connsiteX86" fmla="*/ 1588 w 4802188"/>
+              <a:gd name="connsiteY86" fmla="*/ 2671762 h 6858000"/>
+              <a:gd name="connsiteX87" fmla="*/ 11113 w 4802188"/>
+              <a:gd name="connsiteY87" fmla="*/ 2613025 h 6858000"/>
+              <a:gd name="connsiteX88" fmla="*/ 20638 w 4802188"/>
+              <a:gd name="connsiteY88" fmla="*/ 2560637 h 6858000"/>
+              <a:gd name="connsiteX89" fmla="*/ 34925 w 4802188"/>
+              <a:gd name="connsiteY89" fmla="*/ 2513012 h 6858000"/>
+              <a:gd name="connsiteX90" fmla="*/ 52388 w 4802188"/>
+              <a:gd name="connsiteY90" fmla="*/ 2471737 h 6858000"/>
+              <a:gd name="connsiteX91" fmla="*/ 69850 w 4802188"/>
+              <a:gd name="connsiteY91" fmla="*/ 2433637 h 6858000"/>
+              <a:gd name="connsiteX92" fmla="*/ 88900 w 4802188"/>
+              <a:gd name="connsiteY92" fmla="*/ 2395537 h 6858000"/>
+              <a:gd name="connsiteX93" fmla="*/ 107950 w 4802188"/>
+              <a:gd name="connsiteY93" fmla="*/ 2359025 h 6858000"/>
+              <a:gd name="connsiteX94" fmla="*/ 127000 w 4802188"/>
+              <a:gd name="connsiteY94" fmla="*/ 2319337 h 6858000"/>
+              <a:gd name="connsiteX95" fmla="*/ 142875 w 4802188"/>
+              <a:gd name="connsiteY95" fmla="*/ 2278062 h 6858000"/>
+              <a:gd name="connsiteX96" fmla="*/ 157163 w 4802188"/>
+              <a:gd name="connsiteY96" fmla="*/ 2232025 h 6858000"/>
+              <a:gd name="connsiteX97" fmla="*/ 168275 w 4802188"/>
+              <a:gd name="connsiteY97" fmla="*/ 2179637 h 6858000"/>
+              <a:gd name="connsiteX98" fmla="*/ 176213 w 4802188"/>
+              <a:gd name="connsiteY98" fmla="*/ 2119312 h 6858000"/>
+              <a:gd name="connsiteX99" fmla="*/ 179388 w 4802188"/>
+              <a:gd name="connsiteY99" fmla="*/ 2051050 h 6858000"/>
+              <a:gd name="connsiteX100" fmla="*/ 176213 w 4802188"/>
+              <a:gd name="connsiteY100" fmla="*/ 1982787 h 6858000"/>
+              <a:gd name="connsiteX101" fmla="*/ 168275 w 4802188"/>
+              <a:gd name="connsiteY101" fmla="*/ 1922462 h 6858000"/>
+              <a:gd name="connsiteX102" fmla="*/ 157163 w 4802188"/>
+              <a:gd name="connsiteY102" fmla="*/ 1870075 h 6858000"/>
+              <a:gd name="connsiteX103" fmla="*/ 142875 w 4802188"/>
+              <a:gd name="connsiteY103" fmla="*/ 1824037 h 6858000"/>
+              <a:gd name="connsiteX104" fmla="*/ 127000 w 4802188"/>
+              <a:gd name="connsiteY104" fmla="*/ 1782762 h 6858000"/>
+              <a:gd name="connsiteX105" fmla="*/ 107950 w 4802188"/>
+              <a:gd name="connsiteY105" fmla="*/ 1743075 h 6858000"/>
+              <a:gd name="connsiteX106" fmla="*/ 88900 w 4802188"/>
+              <a:gd name="connsiteY106" fmla="*/ 1708150 h 6858000"/>
+              <a:gd name="connsiteX107" fmla="*/ 69850 w 4802188"/>
+              <a:gd name="connsiteY107" fmla="*/ 1671637 h 6858000"/>
+              <a:gd name="connsiteX108" fmla="*/ 52388 w 4802188"/>
+              <a:gd name="connsiteY108" fmla="*/ 1631950 h 6858000"/>
+              <a:gd name="connsiteX109" fmla="*/ 34925 w 4802188"/>
+              <a:gd name="connsiteY109" fmla="*/ 1589087 h 6858000"/>
+              <a:gd name="connsiteX110" fmla="*/ 20638 w 4802188"/>
+              <a:gd name="connsiteY110" fmla="*/ 1544637 h 6858000"/>
+              <a:gd name="connsiteX111" fmla="*/ 11113 w 4802188"/>
+              <a:gd name="connsiteY111" fmla="*/ 1492250 h 6858000"/>
+              <a:gd name="connsiteX112" fmla="*/ 1588 w 4802188"/>
+              <a:gd name="connsiteY112" fmla="*/ 1431925 h 6858000"/>
+              <a:gd name="connsiteX113" fmla="*/ 0 w 4802188"/>
+              <a:gd name="connsiteY113" fmla="*/ 1363662 h 6858000"/>
+              <a:gd name="connsiteX114" fmla="*/ 1588 w 4802188"/>
+              <a:gd name="connsiteY114" fmla="*/ 1295400 h 6858000"/>
+              <a:gd name="connsiteX115" fmla="*/ 11113 w 4802188"/>
+              <a:gd name="connsiteY115" fmla="*/ 1235075 h 6858000"/>
+              <a:gd name="connsiteX116" fmla="*/ 20638 w 4802188"/>
+              <a:gd name="connsiteY116" fmla="*/ 1182687 h 6858000"/>
+              <a:gd name="connsiteX117" fmla="*/ 34925 w 4802188"/>
+              <a:gd name="connsiteY117" fmla="*/ 1136650 h 6858000"/>
+              <a:gd name="connsiteX118" fmla="*/ 52388 w 4802188"/>
+              <a:gd name="connsiteY118" fmla="*/ 1095375 h 6858000"/>
+              <a:gd name="connsiteX119" fmla="*/ 69850 w 4802188"/>
+              <a:gd name="connsiteY119" fmla="*/ 1055687 h 6858000"/>
+              <a:gd name="connsiteX120" fmla="*/ 88900 w 4802188"/>
+              <a:gd name="connsiteY120" fmla="*/ 1017587 h 6858000"/>
+              <a:gd name="connsiteX121" fmla="*/ 107950 w 4802188"/>
+              <a:gd name="connsiteY121" fmla="*/ 981075 h 6858000"/>
+              <a:gd name="connsiteX122" fmla="*/ 127000 w 4802188"/>
+              <a:gd name="connsiteY122" fmla="*/ 942975 h 6858000"/>
+              <a:gd name="connsiteX123" fmla="*/ 142875 w 4802188"/>
+              <a:gd name="connsiteY123" fmla="*/ 901700 h 6858000"/>
+              <a:gd name="connsiteX124" fmla="*/ 157163 w 4802188"/>
+              <a:gd name="connsiteY124" fmla="*/ 854075 h 6858000"/>
+              <a:gd name="connsiteX125" fmla="*/ 168275 w 4802188"/>
+              <a:gd name="connsiteY125" fmla="*/ 801687 h 6858000"/>
+              <a:gd name="connsiteX126" fmla="*/ 176213 w 4802188"/>
+              <a:gd name="connsiteY126" fmla="*/ 744537 h 6858000"/>
+              <a:gd name="connsiteX127" fmla="*/ 179388 w 4802188"/>
+              <a:gd name="connsiteY127" fmla="*/ 673100 h 6858000"/>
+              <a:gd name="connsiteX128" fmla="*/ 176213 w 4802188"/>
+              <a:gd name="connsiteY128" fmla="*/ 606425 h 6858000"/>
+              <a:gd name="connsiteX129" fmla="*/ 168275 w 4802188"/>
+              <a:gd name="connsiteY129" fmla="*/ 546100 h 6858000"/>
+              <a:gd name="connsiteX130" fmla="*/ 157163 w 4802188"/>
+              <a:gd name="connsiteY130" fmla="*/ 496887 h 6858000"/>
+              <a:gd name="connsiteX131" fmla="*/ 142875 w 4802188"/>
+              <a:gd name="connsiteY131" fmla="*/ 450850 h 6858000"/>
+              <a:gd name="connsiteX132" fmla="*/ 127000 w 4802188"/>
+              <a:gd name="connsiteY132" fmla="*/ 409575 h 6858000"/>
+              <a:gd name="connsiteX133" fmla="*/ 109538 w 4802188"/>
+              <a:gd name="connsiteY133" fmla="*/ 369887 h 6858000"/>
+              <a:gd name="connsiteX134" fmla="*/ 92075 w 4802188"/>
+              <a:gd name="connsiteY134" fmla="*/ 334962 h 6858000"/>
+              <a:gd name="connsiteX135" fmla="*/ 73025 w 4802188"/>
+              <a:gd name="connsiteY135" fmla="*/ 296862 h 6858000"/>
+              <a:gd name="connsiteX136" fmla="*/ 53975 w 4802188"/>
+              <a:gd name="connsiteY136" fmla="*/ 260350 h 6858000"/>
+              <a:gd name="connsiteX137" fmla="*/ 38100 w 4802188"/>
+              <a:gd name="connsiteY137" fmla="*/ 217487 h 6858000"/>
+              <a:gd name="connsiteX138" fmla="*/ 22225 w 4802188"/>
+              <a:gd name="connsiteY138" fmla="*/ 174625 h 6858000"/>
+              <a:gd name="connsiteX139" fmla="*/ 12700 w 4802188"/>
+              <a:gd name="connsiteY139" fmla="*/ 122237 h 6858000"/>
+              <a:gd name="connsiteX140" fmla="*/ 4763 w 4802188"/>
+              <a:gd name="connsiteY140" fmla="*/ 66675 h 6858000"/>
+            </a:gdLst>
+            <a:ahLst/>
+            <a:cxnLst>
+              <a:cxn ang="0">
+                <a:pos x="connsiteX0" y="connsiteY0"/>
+              </a:cxn>
+              <a:cxn ang="0">
+                <a:pos x="connsiteX1" y="connsiteY1"/>
+              </a:cxn>
+              <a:cxn ang="0">
+                <a:pos x="connsiteX2" y="connsiteY2"/>
+              </a:cxn>
+              <a:cxn ang="0">
+                <a:pos x="connsiteX3" y="connsiteY3"/>
+              </a:cxn>
+              <a:cxn ang="0">
+                <a:pos x="connsiteX4" y="connsiteY4"/>
+              </a:cxn>
+              <a:cxn ang="0">
+                <a:pos x="connsiteX5" y="connsiteY5"/>
+              </a:cxn>
+              <a:cxn ang="0">
+                <a:pos x="connsiteX6" y="connsiteY6"/>
+              </a:cxn>
+              <a:cxn ang="0">
+                <a:pos x="connsiteX7" y="connsiteY7"/>
+              </a:cxn>
+              <a:cxn ang="0">
+                <a:pos x="connsiteX8" y="connsiteY8"/>
+              </a:cxn>
+              <a:cxn ang="0">
+                <a:pos x="connsiteX9" y="connsiteY9"/>
+              </a:cxn>
+              <a:cxn ang="0">
+                <a:pos x="connsiteX10" y="connsiteY10"/>
+              </a:cxn>
+              <a:cxn ang="0">
+                <a:pos x="connsiteX11" y="connsiteY11"/>
+              </a:cxn>
+              <a:cxn ang="0">
+                <a:pos x="connsiteX12" y="connsiteY12"/>
+              </a:cxn>
+              <a:cxn ang="0">
+                <a:pos x="connsiteX13" y="connsiteY13"/>
+              </a:cxn>
+              <a:cxn ang="0">
+                <a:pos x="connsiteX14" y="connsiteY14"/>
+              </a:cxn>
+              <a:cxn ang="0">
+                <a:pos x="connsiteX15" y="connsiteY15"/>
+              </a:cxn>
+              <a:cxn ang="0">
+                <a:pos x="connsiteX16" y="connsiteY16"/>
+              </a:cxn>
+              <a:cxn ang="0">
+                <a:pos x="connsiteX17" y="connsiteY17"/>
+              </a:cxn>
+              <a:cxn ang="0">
+                <a:pos x="connsiteX18" y="connsiteY18"/>
+              </a:cxn>
+              <a:cxn ang="0">
+                <a:pos x="connsiteX19" y="connsiteY19"/>
+              </a:cxn>
+              <a:cxn ang="0">
+                <a:pos x="connsiteX20" y="connsiteY20"/>
+              </a:cxn>
+              <a:cxn ang="0">
+                <a:pos x="connsiteX21" y="connsiteY21"/>
+              </a:cxn>
+              <a:cxn ang="0">
+                <a:pos x="connsiteX22" y="connsiteY22"/>
+              </a:cxn>
+              <a:cxn ang="0">
+                <a:pos x="connsiteX23" y="connsiteY23"/>
+              </a:cxn>
+              <a:cxn ang="0">
+                <a:pos x="connsiteX24" y="connsiteY24"/>
+              </a:cxn>
+              <a:cxn ang="0">
+                <a:pos x="connsiteX25" y="connsiteY25"/>
+              </a:cxn>
+              <a:cxn ang="0">
+                <a:pos x="connsiteX26" y="connsiteY26"/>
+              </a:cxn>
+              <a:cxn ang="0">
+                <a:pos x="connsiteX27" y="connsiteY27"/>
+              </a:cxn>
+              <a:cxn ang="0">
+                <a:pos x="connsiteX28" y="connsiteY28"/>
+              </a:cxn>
+              <a:cxn ang="0">
+                <a:pos x="connsiteX29" y="connsiteY29"/>
+              </a:cxn>
+              <a:cxn ang="0">
+                <a:pos x="connsiteX30" y="connsiteY30"/>
+              </a:cxn>
+              <a:cxn ang="0">
+                <a:pos x="connsiteX31" y="connsiteY31"/>
+              </a:cxn>
+              <a:cxn ang="0">
+                <a:pos x="connsiteX32" y="connsiteY32"/>
+              </a:cxn>
+              <a:cxn ang="0">
+                <a:pos x="connsiteX33" y="connsiteY33"/>
+              </a:cxn>
+              <a:cxn ang="0">
+                <a:pos x="connsiteX34" y="connsiteY34"/>
+              </a:cxn>
+              <a:cxn ang="0">
+                <a:pos x="connsiteX35" y="connsiteY35"/>
+              </a:cxn>
+              <a:cxn ang="0">
+                <a:pos x="connsiteX36" y="connsiteY36"/>
+              </a:cxn>
+              <a:cxn ang="0">
+                <a:pos x="connsiteX37" y="connsiteY37"/>
+              </a:cxn>
+              <a:cxn ang="0">
+                <a:pos x="connsiteX38" y="connsiteY38"/>
+              </a:cxn>
+              <a:cxn ang="0">
+                <a:pos x="connsiteX39" y="connsiteY39"/>
+              </a:cxn>
+              <a:cxn ang="0">
+                <a:pos x="connsiteX40" y="connsiteY40"/>
+              </a:cxn>
+              <a:cxn ang="0">
+                <a:pos x="connsiteX41" y="connsiteY41"/>
+              </a:cxn>
+              <a:cxn ang="0">
+                <a:pos x="connsiteX42" y="connsiteY42"/>
+              </a:cxn>
+              <a:cxn ang="0">
+                <a:pos x="connsiteX43" y="connsiteY43"/>
+              </a:cxn>
+              <a:cxn ang="0">
+                <a:pos x="connsiteX44" y="connsiteY44"/>
+              </a:cxn>
+              <a:cxn ang="0">
+                <a:pos x="connsiteX45" y="connsiteY45"/>
+              </a:cxn>
+              <a:cxn ang="0">
+                <a:pos x="connsiteX46" y="connsiteY46"/>
+              </a:cxn>
+              <a:cxn ang="0">
+                <a:pos x="connsiteX47" y="connsiteY47"/>
+              </a:cxn>
+              <a:cxn ang="0">
+                <a:pos x="connsiteX48" y="connsiteY48"/>
+              </a:cxn>
+              <a:cxn ang="0">
+                <a:pos x="connsiteX49" y="connsiteY49"/>
+              </a:cxn>
+              <a:cxn ang="0">
+                <a:pos x="connsiteX50" y="connsiteY50"/>
+              </a:cxn>
+              <a:cxn ang="0">
+                <a:pos x="connsiteX51" y="connsiteY51"/>
+              </a:cxn>
+              <a:cxn ang="0">
+                <a:pos x="connsiteX52" y="connsiteY52"/>
+              </a:cxn>
+              <a:cxn ang="0">
+                <a:pos x="connsiteX53" y="connsiteY53"/>
+              </a:cxn>
+              <a:cxn ang="0">
+                <a:pos x="connsiteX54" y="connsiteY54"/>
+              </a:cxn>
+              <a:cxn ang="0">
+                <a:pos x="connsiteX55" y="connsiteY55"/>
+              </a:cxn>
+              <a:cxn ang="0">
+                <a:pos x="connsiteX56" y="connsiteY56"/>
+              </a:cxn>
+              <a:cxn ang="0">
+                <a:pos x="connsiteX57" y="connsiteY57"/>
+              </a:cxn>
+              <a:cxn ang="0">
+                <a:pos x="connsiteX58" y="connsiteY58"/>
+              </a:cxn>
+              <a:cxn ang="0">
+                <a:pos x="connsiteX59" y="connsiteY59"/>
+              </a:cxn>
+              <a:cxn ang="0">
+                <a:pos x="connsiteX60" y="connsiteY60"/>
+              </a:cxn>
+              <a:cxn ang="0">
+                <a:pos x="connsiteX61" y="connsiteY61"/>
+              </a:cxn>
+              <a:cxn ang="0">
+                <a:pos x="connsiteX62" y="connsiteY62"/>
+              </a:cxn>
+              <a:cxn ang="0">
+                <a:pos x="connsiteX63" y="connsiteY63"/>
+              </a:cxn>
+              <a:cxn ang="0">
+                <a:pos x="connsiteX64" y="connsiteY64"/>
+              </a:cxn>
+              <a:cxn ang="0">
+                <a:pos x="connsiteX65" y="connsiteY65"/>
+              </a:cxn>
+              <a:cxn ang="0">
+                <a:pos x="connsiteX66" y="connsiteY66"/>
+              </a:cxn>
+              <a:cxn ang="0">
+                <a:pos x="connsiteX67" y="connsiteY67"/>
+              </a:cxn>
+              <a:cxn ang="0">
+                <a:pos x="connsiteX68" y="connsiteY68"/>
+              </a:cxn>
+              <a:cxn ang="0">
+                <a:pos x="connsiteX69" y="connsiteY69"/>
+              </a:cxn>
+              <a:cxn ang="0">
+                <a:pos x="connsiteX70" y="connsiteY70"/>
+              </a:cxn>
+              <a:cxn ang="0">
+                <a:pos x="connsiteX71" y="connsiteY71"/>
+              </a:cxn>
+              <a:cxn ang="0">
+                <a:pos x="connsiteX72" y="connsiteY72"/>
+              </a:cxn>
+              <a:cxn ang="0">
+                <a:pos x="connsiteX73" y="connsiteY73"/>
+              </a:cxn>
+              <a:cxn ang="0">
+                <a:pos x="connsiteX74" y="connsiteY74"/>
+              </a:cxn>
+              <a:cxn ang="0">
+                <a:pos x="connsiteX75" y="connsiteY75"/>
+              </a:cxn>
+              <a:cxn ang="0">
+                <a:pos x="connsiteX76" y="connsiteY76"/>
+              </a:cxn>
+              <a:cxn ang="0">
+                <a:pos x="connsiteX77" y="connsiteY77"/>
+              </a:cxn>
+              <a:cxn ang="0">
+                <a:pos x="connsiteX78" y="connsiteY78"/>
+              </a:cxn>
+              <a:cxn ang="0">
+                <a:pos x="connsiteX79" y="connsiteY79"/>
+              </a:cxn>
+              <a:cxn ang="0">
+                <a:pos x="connsiteX80" y="connsiteY80"/>
+              </a:cxn>
+              <a:cxn ang="0">
+                <a:pos x="connsiteX81" y="connsiteY81"/>
+              </a:cxn>
+              <a:cxn ang="0">
+                <a:pos x="connsiteX82" y="connsiteY82"/>
+              </a:cxn>
+              <a:cxn ang="0">
+                <a:pos x="connsiteX83" y="connsiteY83"/>
+              </a:cxn>
+              <a:cxn ang="0">
+                <a:pos x="connsiteX84" y="connsiteY84"/>
+              </a:cxn>
+              <a:cxn ang="0">
+                <a:pos x="connsiteX85" y="connsiteY85"/>
+              </a:cxn>
+              <a:cxn ang="0">
+                <a:pos x="connsiteX86" y="connsiteY86"/>
+              </a:cxn>
+              <a:cxn ang="0">
+                <a:pos x="connsiteX87" y="connsiteY87"/>
+              </a:cxn>
+              <a:cxn ang="0">
+                <a:pos x="connsiteX88" y="connsiteY88"/>
+              </a:cxn>
+              <a:cxn ang="0">
+                <a:pos x="connsiteX89" y="connsiteY89"/>
+              </a:cxn>
+              <a:cxn ang="0">
+                <a:pos x="connsiteX90" y="connsiteY90"/>
+              </a:cxn>
+              <a:cxn ang="0">
+                <a:pos x="connsiteX91" y="connsiteY91"/>
+              </a:cxn>
+              <a:cxn ang="0">
+                <a:pos x="connsiteX92" y="connsiteY92"/>
+              </a:cxn>
+              <a:cxn ang="0">
+                <a:pos x="connsiteX93" y="connsiteY93"/>
+              </a:cxn>
+              <a:cxn ang="0">
+                <a:pos x="connsiteX94" y="connsiteY94"/>
+              </a:cxn>
+              <a:cxn ang="0">
+                <a:pos x="connsiteX95" y="connsiteY95"/>
+              </a:cxn>
+              <a:cxn ang="0">
+                <a:pos x="connsiteX96" y="connsiteY96"/>
+              </a:cxn>
+              <a:cxn ang="0">
+                <a:pos x="connsiteX97" y="connsiteY97"/>
+              </a:cxn>
+              <a:cxn ang="0">
+                <a:pos x="connsiteX98" y="connsiteY98"/>
+              </a:cxn>
+              <a:cxn ang="0">
+                <a:pos x="connsiteX99" y="connsiteY99"/>
+              </a:cxn>
+              <a:cxn ang="0">
+                <a:pos x="connsiteX100" y="connsiteY100"/>
+              </a:cxn>
+              <a:cxn ang="0">
+                <a:pos x="connsiteX101" y="connsiteY101"/>
+              </a:cxn>
+              <a:cxn ang="0">
+                <a:pos x="connsiteX102" y="connsiteY102"/>
+              </a:cxn>
+              <a:cxn ang="0">
+                <a:pos x="connsiteX103" y="connsiteY103"/>
+              </a:cxn>
+              <a:cxn ang="0">
+                <a:pos x="connsiteX104" y="connsiteY104"/>
+              </a:cxn>
+              <a:cxn ang="0">
+                <a:pos x="connsiteX105" y="connsiteY105"/>
+              </a:cxn>
+              <a:cxn ang="0">
+                <a:pos x="connsiteX106" y="connsiteY106"/>
+              </a:cxn>
+              <a:cxn ang="0">
+                <a:pos x="connsiteX107" y="connsiteY107"/>
+              </a:cxn>
+              <a:cxn ang="0">
+                <a:pos x="connsiteX108" y="connsiteY108"/>
+              </a:cxn>
+              <a:cxn ang="0">
+                <a:pos x="connsiteX109" y="connsiteY109"/>
+              </a:cxn>
+              <a:cxn ang="0">
+                <a:pos x="connsiteX110" y="connsiteY110"/>
+              </a:cxn>
+              <a:cxn ang="0">
+                <a:pos x="connsiteX111" y="connsiteY111"/>
+              </a:cxn>
+              <a:cxn ang="0">
+                <a:pos x="connsiteX112" y="connsiteY112"/>
+              </a:cxn>
+              <a:cxn ang="0">
+                <a:pos x="connsiteX113" y="connsiteY113"/>
+              </a:cxn>
+              <a:cxn ang="0">
+                <a:pos x="connsiteX114" y="connsiteY114"/>
+              </a:cxn>
+              <a:cxn ang="0">
+                <a:pos x="connsiteX115" y="connsiteY115"/>
+              </a:cxn>
+              <a:cxn ang="0">
+                <a:pos x="connsiteX116" y="connsiteY116"/>
+              </a:cxn>
+              <a:cxn ang="0">
+                <a:pos x="connsiteX117" y="connsiteY117"/>
+              </a:cxn>
+              <a:cxn ang="0">
+                <a:pos x="connsiteX118" y="connsiteY118"/>
+              </a:cxn>
+              <a:cxn ang="0">
+                <a:pos x="connsiteX119" y="connsiteY119"/>
+              </a:cxn>
+              <a:cxn ang="0">
+                <a:pos x="connsiteX120" y="connsiteY120"/>
+              </a:cxn>
+              <a:cxn ang="0">
+                <a:pos x="connsiteX121" y="connsiteY121"/>
+              </a:cxn>
+              <a:cxn ang="0">
+                <a:pos x="connsiteX122" y="connsiteY122"/>
+              </a:cxn>
+              <a:cxn ang="0">
+                <a:pos x="connsiteX123" y="connsiteY123"/>
+              </a:cxn>
+              <a:cxn ang="0">
+                <a:pos x="connsiteX124" y="connsiteY124"/>
+              </a:cxn>
+              <a:cxn ang="0">
+                <a:pos x="connsiteX125" y="connsiteY125"/>
+              </a:cxn>
+              <a:cxn ang="0">
+                <a:pos x="connsiteX126" y="connsiteY126"/>
+              </a:cxn>
+              <a:cxn ang="0">
+                <a:pos x="connsiteX127" y="connsiteY127"/>
+              </a:cxn>
+              <a:cxn ang="0">
+                <a:pos x="connsiteX128" y="connsiteY128"/>
+              </a:cxn>
+              <a:cxn ang="0">
+                <a:pos x="connsiteX129" y="connsiteY129"/>
+              </a:cxn>
+              <a:cxn ang="0">
+                <a:pos x="connsiteX130" y="connsiteY130"/>
+              </a:cxn>
+              <a:cxn ang="0">
+                <a:pos x="connsiteX131" y="connsiteY131"/>
+              </a:cxn>
+              <a:cxn ang="0">
+                <a:pos x="connsiteX132" y="connsiteY132"/>
+              </a:cxn>
+              <a:cxn ang="0">
+                <a:pos x="connsiteX133" y="connsiteY133"/>
+              </a:cxn>
+              <a:cxn ang="0">
+                <a:pos x="connsiteX134" y="connsiteY134"/>
+              </a:cxn>
+              <a:cxn ang="0">
+                <a:pos x="connsiteX135" y="connsiteY135"/>
+              </a:cxn>
+              <a:cxn ang="0">
+                <a:pos x="connsiteX136" y="connsiteY136"/>
+              </a:cxn>
+              <a:cxn ang="0">
+                <a:pos x="connsiteX137" y="connsiteY137"/>
+              </a:cxn>
+              <a:cxn ang="0">
+                <a:pos x="connsiteX138" y="connsiteY138"/>
+              </a:cxn>
+              <a:cxn ang="0">
+                <a:pos x="connsiteX139" y="connsiteY139"/>
+              </a:cxn>
+              <a:cxn ang="0">
+                <a:pos x="connsiteX140" y="connsiteY140"/>
+              </a:cxn>
+            </a:cxnLst>
+            <a:rect l="l" t="t" r="r" b="b"/>
+            <a:pathLst>
+              <a:path w="4802188" h="6858000">
+                <a:moveTo>
+                  <a:pt x="0" y="0"/>
+                </a:moveTo>
+                <a:lnTo>
+                  <a:pt x="4802188" y="0"/>
+                </a:lnTo>
+                <a:lnTo>
+                  <a:pt x="4802188" y="6858000"/>
+                </a:lnTo>
+                <a:lnTo>
+                  <a:pt x="0" y="6858000"/>
+                </a:lnTo>
+                <a:lnTo>
+                  <a:pt x="4763" y="6791325"/>
+                </a:lnTo>
+                <a:lnTo>
+                  <a:pt x="12700" y="6735762"/>
+                </a:lnTo>
+                <a:lnTo>
+                  <a:pt x="22225" y="6683375"/>
+                </a:lnTo>
+                <a:lnTo>
+                  <a:pt x="38100" y="6640512"/>
+                </a:lnTo>
+                <a:lnTo>
+                  <a:pt x="53975" y="6597650"/>
+                </a:lnTo>
+                <a:lnTo>
+                  <a:pt x="73025" y="6561137"/>
+                </a:lnTo>
+                <a:lnTo>
+                  <a:pt x="92075" y="6523037"/>
+                </a:lnTo>
+                <a:lnTo>
+                  <a:pt x="109538" y="6488112"/>
+                </a:lnTo>
+                <a:lnTo>
+                  <a:pt x="127000" y="6448425"/>
+                </a:lnTo>
+                <a:lnTo>
+                  <a:pt x="142875" y="6407150"/>
+                </a:lnTo>
+                <a:lnTo>
+                  <a:pt x="157163" y="6361112"/>
+                </a:lnTo>
+                <a:lnTo>
+                  <a:pt x="168275" y="6311900"/>
+                </a:lnTo>
+                <a:lnTo>
+                  <a:pt x="176213" y="6251575"/>
+                </a:lnTo>
+                <a:lnTo>
+                  <a:pt x="179388" y="6183312"/>
+                </a:lnTo>
+                <a:lnTo>
+                  <a:pt x="176213" y="6113462"/>
+                </a:lnTo>
+                <a:lnTo>
+                  <a:pt x="168275" y="6056312"/>
+                </a:lnTo>
+                <a:lnTo>
+                  <a:pt x="157163" y="6003925"/>
+                </a:lnTo>
+                <a:lnTo>
+                  <a:pt x="142875" y="5956300"/>
+                </a:lnTo>
+                <a:lnTo>
+                  <a:pt x="127000" y="5915025"/>
+                </a:lnTo>
+                <a:lnTo>
+                  <a:pt x="107950" y="5876925"/>
+                </a:lnTo>
+                <a:lnTo>
+                  <a:pt x="88900" y="5840412"/>
+                </a:lnTo>
+                <a:lnTo>
+                  <a:pt x="69850" y="5802312"/>
+                </a:lnTo>
+                <a:lnTo>
+                  <a:pt x="52388" y="5762625"/>
+                </a:lnTo>
+                <a:lnTo>
+                  <a:pt x="34925" y="5721350"/>
+                </a:lnTo>
+                <a:lnTo>
+                  <a:pt x="20638" y="5675312"/>
+                </a:lnTo>
+                <a:lnTo>
+                  <a:pt x="11113" y="5622925"/>
+                </a:lnTo>
+                <a:lnTo>
+                  <a:pt x="1588" y="5562600"/>
+                </a:lnTo>
+                <a:lnTo>
+                  <a:pt x="0" y="5494337"/>
+                </a:lnTo>
+                <a:lnTo>
+                  <a:pt x="1588" y="5426075"/>
+                </a:lnTo>
+                <a:lnTo>
+                  <a:pt x="11113" y="5365750"/>
+                </a:lnTo>
+                <a:lnTo>
+                  <a:pt x="20638" y="5313362"/>
+                </a:lnTo>
+                <a:lnTo>
+                  <a:pt x="34925" y="5268912"/>
+                </a:lnTo>
+                <a:lnTo>
+                  <a:pt x="52388" y="5226050"/>
+                </a:lnTo>
+                <a:lnTo>
+                  <a:pt x="69850" y="5186362"/>
+                </a:lnTo>
+                <a:lnTo>
+                  <a:pt x="88900" y="5149850"/>
+                </a:lnTo>
+                <a:lnTo>
+                  <a:pt x="107950" y="5114925"/>
+                </a:lnTo>
+                <a:lnTo>
+                  <a:pt x="127000" y="5075237"/>
+                </a:lnTo>
+                <a:lnTo>
+                  <a:pt x="142875" y="5033962"/>
+                </a:lnTo>
+                <a:lnTo>
+                  <a:pt x="157163" y="4987925"/>
+                </a:lnTo>
+                <a:lnTo>
+                  <a:pt x="168275" y="4935537"/>
+                </a:lnTo>
+                <a:lnTo>
+                  <a:pt x="176213" y="4875212"/>
+                </a:lnTo>
+                <a:lnTo>
+                  <a:pt x="179388" y="4806950"/>
+                </a:lnTo>
+                <a:lnTo>
+                  <a:pt x="176213" y="4738687"/>
+                </a:lnTo>
+                <a:lnTo>
+                  <a:pt x="168275" y="4678362"/>
+                </a:lnTo>
+                <a:lnTo>
+                  <a:pt x="157163" y="4625975"/>
+                </a:lnTo>
+                <a:lnTo>
+                  <a:pt x="142875" y="4579937"/>
+                </a:lnTo>
+                <a:lnTo>
+                  <a:pt x="127000" y="4537075"/>
+                </a:lnTo>
+                <a:lnTo>
+                  <a:pt x="107950" y="4498975"/>
+                </a:lnTo>
+                <a:lnTo>
+                  <a:pt x="69850" y="4424362"/>
+                </a:lnTo>
+                <a:lnTo>
+                  <a:pt x="52388" y="4386262"/>
+                </a:lnTo>
+                <a:lnTo>
+                  <a:pt x="34925" y="4343400"/>
+                </a:lnTo>
+                <a:lnTo>
+                  <a:pt x="20638" y="4297362"/>
+                </a:lnTo>
+                <a:lnTo>
+                  <a:pt x="11113" y="4244975"/>
+                </a:lnTo>
+                <a:lnTo>
+                  <a:pt x="1588" y="4186237"/>
+                </a:lnTo>
+                <a:lnTo>
+                  <a:pt x="0" y="4116387"/>
+                </a:lnTo>
+                <a:lnTo>
+                  <a:pt x="1588" y="4048125"/>
+                </a:lnTo>
+                <a:lnTo>
+                  <a:pt x="11113" y="3987800"/>
+                </a:lnTo>
+                <a:lnTo>
+                  <a:pt x="20638" y="3935412"/>
+                </a:lnTo>
+                <a:lnTo>
+                  <a:pt x="34925" y="3890962"/>
+                </a:lnTo>
+                <a:lnTo>
+                  <a:pt x="52388" y="3848100"/>
+                </a:lnTo>
+                <a:lnTo>
+                  <a:pt x="69850" y="3811587"/>
+                </a:lnTo>
+                <a:lnTo>
+                  <a:pt x="107950" y="3736975"/>
+                </a:lnTo>
+                <a:lnTo>
+                  <a:pt x="127000" y="3697287"/>
+                </a:lnTo>
+                <a:lnTo>
+                  <a:pt x="142875" y="3656012"/>
+                </a:lnTo>
+                <a:lnTo>
+                  <a:pt x="157163" y="3609975"/>
+                </a:lnTo>
+                <a:lnTo>
+                  <a:pt x="168275" y="3557587"/>
+                </a:lnTo>
+                <a:lnTo>
+                  <a:pt x="176213" y="3497262"/>
+                </a:lnTo>
+                <a:lnTo>
+                  <a:pt x="179388" y="3427412"/>
+                </a:lnTo>
+                <a:lnTo>
+                  <a:pt x="176213" y="3360737"/>
+                </a:lnTo>
+                <a:lnTo>
+                  <a:pt x="168275" y="3300412"/>
+                </a:lnTo>
+                <a:lnTo>
+                  <a:pt x="157163" y="3248025"/>
+                </a:lnTo>
+                <a:lnTo>
+                  <a:pt x="142875" y="3201987"/>
+                </a:lnTo>
+                <a:lnTo>
+                  <a:pt x="127000" y="3160712"/>
+                </a:lnTo>
+                <a:lnTo>
+                  <a:pt x="107950" y="3121025"/>
+                </a:lnTo>
+                <a:lnTo>
+                  <a:pt x="88900" y="3084512"/>
+                </a:lnTo>
+                <a:lnTo>
+                  <a:pt x="69850" y="3046412"/>
+                </a:lnTo>
+                <a:lnTo>
+                  <a:pt x="52388" y="3009900"/>
+                </a:lnTo>
+                <a:lnTo>
+                  <a:pt x="34925" y="2967037"/>
+                </a:lnTo>
+                <a:lnTo>
+                  <a:pt x="20638" y="2922587"/>
+                </a:lnTo>
+                <a:lnTo>
+                  <a:pt x="11113" y="2868612"/>
+                </a:lnTo>
+                <a:lnTo>
+                  <a:pt x="1588" y="2809875"/>
+                </a:lnTo>
+                <a:lnTo>
+                  <a:pt x="0" y="2741612"/>
+                </a:lnTo>
+                <a:lnTo>
+                  <a:pt x="1588" y="2671762"/>
+                </a:lnTo>
+                <a:lnTo>
+                  <a:pt x="11113" y="2613025"/>
+                </a:lnTo>
+                <a:lnTo>
+                  <a:pt x="20638" y="2560637"/>
+                </a:lnTo>
+                <a:lnTo>
+                  <a:pt x="34925" y="2513012"/>
+                </a:lnTo>
+                <a:lnTo>
+                  <a:pt x="52388" y="2471737"/>
+                </a:lnTo>
+                <a:lnTo>
+                  <a:pt x="69850" y="2433637"/>
+                </a:lnTo>
+                <a:lnTo>
+                  <a:pt x="88900" y="2395537"/>
+                </a:lnTo>
+                <a:lnTo>
+                  <a:pt x="107950" y="2359025"/>
+                </a:lnTo>
+                <a:lnTo>
+                  <a:pt x="127000" y="2319337"/>
+                </a:lnTo>
+                <a:lnTo>
+                  <a:pt x="142875" y="2278062"/>
+                </a:lnTo>
+                <a:lnTo>
+                  <a:pt x="157163" y="2232025"/>
+                </a:lnTo>
+                <a:lnTo>
+                  <a:pt x="168275" y="2179637"/>
+                </a:lnTo>
+                <a:lnTo>
+                  <a:pt x="176213" y="2119312"/>
+                </a:lnTo>
+                <a:lnTo>
+                  <a:pt x="179388" y="2051050"/>
+                </a:lnTo>
+                <a:lnTo>
+                  <a:pt x="176213" y="1982787"/>
+                </a:lnTo>
+                <a:lnTo>
+                  <a:pt x="168275" y="1922462"/>
+                </a:lnTo>
+                <a:lnTo>
+                  <a:pt x="157163" y="1870075"/>
+                </a:lnTo>
+                <a:lnTo>
+                  <a:pt x="142875" y="1824037"/>
+                </a:lnTo>
+                <a:lnTo>
+                  <a:pt x="127000" y="1782762"/>
+                </a:lnTo>
+                <a:lnTo>
+                  <a:pt x="107950" y="1743075"/>
+                </a:lnTo>
+                <a:lnTo>
+                  <a:pt x="88900" y="1708150"/>
+                </a:lnTo>
+                <a:lnTo>
+                  <a:pt x="69850" y="1671637"/>
+                </a:lnTo>
+                <a:lnTo>
+                  <a:pt x="52388" y="1631950"/>
+                </a:lnTo>
+                <a:lnTo>
+                  <a:pt x="34925" y="1589087"/>
+                </a:lnTo>
+                <a:lnTo>
+                  <a:pt x="20638" y="1544637"/>
+                </a:lnTo>
+                <a:lnTo>
+                  <a:pt x="11113" y="1492250"/>
+                </a:lnTo>
+                <a:lnTo>
+                  <a:pt x="1588" y="1431925"/>
+                </a:lnTo>
+                <a:lnTo>
+                  <a:pt x="0" y="1363662"/>
+                </a:lnTo>
+                <a:lnTo>
+                  <a:pt x="1588" y="1295400"/>
+                </a:lnTo>
+                <a:lnTo>
+                  <a:pt x="11113" y="1235075"/>
+                </a:lnTo>
+                <a:lnTo>
+                  <a:pt x="20638" y="1182687"/>
+                </a:lnTo>
+                <a:lnTo>
+                  <a:pt x="34925" y="1136650"/>
+                </a:lnTo>
+                <a:lnTo>
+                  <a:pt x="52388" y="1095375"/>
+                </a:lnTo>
+                <a:lnTo>
+                  <a:pt x="69850" y="1055687"/>
+                </a:lnTo>
+                <a:lnTo>
+                  <a:pt x="88900" y="1017587"/>
+                </a:lnTo>
+                <a:lnTo>
+                  <a:pt x="107950" y="981075"/>
+                </a:lnTo>
+                <a:lnTo>
+                  <a:pt x="127000" y="942975"/>
+                </a:lnTo>
+                <a:lnTo>
+                  <a:pt x="142875" y="901700"/>
+                </a:lnTo>
+                <a:lnTo>
+                  <a:pt x="157163" y="854075"/>
+                </a:lnTo>
+                <a:lnTo>
+                  <a:pt x="168275" y="801687"/>
+                </a:lnTo>
+                <a:lnTo>
+                  <a:pt x="176213" y="744537"/>
+                </a:lnTo>
+                <a:lnTo>
+                  <a:pt x="179388" y="673100"/>
+                </a:lnTo>
+                <a:lnTo>
+                  <a:pt x="176213" y="606425"/>
+                </a:lnTo>
+                <a:lnTo>
+                  <a:pt x="168275" y="546100"/>
+                </a:lnTo>
+                <a:lnTo>
+                  <a:pt x="157163" y="496887"/>
+                </a:lnTo>
+                <a:lnTo>
+                  <a:pt x="142875" y="450850"/>
+                </a:lnTo>
+                <a:lnTo>
+                  <a:pt x="127000" y="409575"/>
+                </a:lnTo>
+                <a:lnTo>
+                  <a:pt x="109538" y="369887"/>
+                </a:lnTo>
+                <a:lnTo>
+                  <a:pt x="92075" y="334962"/>
+                </a:lnTo>
+                <a:lnTo>
+                  <a:pt x="73025" y="296862"/>
+                </a:lnTo>
+                <a:lnTo>
+                  <a:pt x="53975" y="260350"/>
+                </a:lnTo>
+                <a:lnTo>
+                  <a:pt x="38100" y="217487"/>
+                </a:lnTo>
+                <a:lnTo>
+                  <a:pt x="22225" y="174625"/>
+                </a:lnTo>
+                <a:lnTo>
+                  <a:pt x="12700" y="122237"/>
+                </a:lnTo>
+                <a:lnTo>
+                  <a:pt x="4763" y="66675"/>
+                </a:lnTo>
+                <a:close/>
+              </a:path>
+            </a:pathLst>
+          </a:custGeom>
+          <a:ln w="0">
+            <a:noFill/>
+            <a:prstDash val="solid"/>
+            <a:round/>
+            <a:headEnd/>
+            <a:tailEnd/>
+          </a:ln>
+        </p:spPr>
+        <p:txBody>
+          <a:bodyPr wrap="square" rtlCol="0" anchor="ctr">
+            <a:noAutofit/>
+          </a:bodyPr>
+          <a:lstStyle/>
+          <a:p>
+            <a:pPr algn="ctr"/>
+            <a:endParaRPr lang="en-US" dirty="0"/>
+          </a:p>
+        </p:txBody>
+      </p:sp>
+      <p:sp>
+        <p:nvSpPr>
           <p:cNvPr id="2" name="Title 1">
             <a:extLst>
               <a:ext uri="{FF2B5EF4-FFF2-40B4-BE49-F238E27FC236}">
@@ -5103,9 +6414,16 @@
             <p:ph type="title"/>
           </p:nvPr>
         </p:nvSpPr>
-        <p:spPr/>
-        <p:txBody>
-          <a:bodyPr/>
+        <p:spPr>
+          <a:xfrm>
+            <a:off x="765051" y="662400"/>
+            <a:ext cx="3409200" cy="1492132"/>
+          </a:xfrm>
+        </p:spPr>
+        <p:txBody>
+          <a:bodyPr anchor="t">
+            <a:normAutofit/>
+          </a:bodyPr>
           <a:lstStyle/>
           <a:p>
             <a:r>
@@ -5136,25 +6454,50 @@
             <p:ph idx="1"/>
           </p:nvPr>
         </p:nvSpPr>
-        <p:spPr/>
-        <p:txBody>
-          <a:bodyPr/>
+        <p:spPr>
+          <a:xfrm>
+            <a:off x="765051" y="2286000"/>
+            <a:ext cx="3409200" cy="3844800"/>
+          </a:xfrm>
+        </p:spPr>
+        <p:txBody>
+          <a:bodyPr>
+            <a:normAutofit/>
+          </a:bodyPr>
           <a:lstStyle/>
           <a:p>
             <a:r>
-              <a:rPr lang="en-CA" dirty="0"/>
+              <a:rPr lang="en-CA" sz="2000" dirty="0">
+                <a:solidFill>
+                  <a:schemeClr val="tx1">
+                    <a:alpha val="60000"/>
+                  </a:schemeClr>
+                </a:solidFill>
+              </a:rPr>
               <a:t>Search Bar to find particular items</a:t>
             </a:r>
           </a:p>
           <a:p>
             <a:r>
-              <a:rPr lang="en-CA" dirty="0"/>
+              <a:rPr lang="en-CA" sz="2000" dirty="0">
+                <a:solidFill>
+                  <a:schemeClr val="tx1">
+                    <a:alpha val="60000"/>
+                  </a:schemeClr>
+                </a:solidFill>
+              </a:rPr>
               <a:t>Adding users (login, sign up) rather than putting in information each time.</a:t>
             </a:r>
           </a:p>
           <a:p>
             <a:r>
-              <a:rPr lang="en-CA" dirty="0"/>
+              <a:rPr lang="en-CA" sz="2000" dirty="0">
+                <a:solidFill>
+                  <a:schemeClr val="tx1">
+                    <a:alpha val="60000"/>
+                  </a:schemeClr>
+                </a:solidFill>
+              </a:rPr>
               <a:t>Grouping into “Today”, “Scheduled”, “All”, and “Courses”.</a:t>
             </a:r>
           </a:p>
